--- a/Document/AML_Project_Presentation.pptx
+++ b/Document/AML_Project_Presentation.pptx
@@ -12282,10 +12282,10 @@
       </p:pic>
       <p:pic>
         <p:nvPicPr>
-          <p:cNvPr id="4" name="Picture 3">
+          <p:cNvPr id="5" name="Picture 4">
             <a:extLst>
               <a:ext uri="{FF2B5EF4-FFF2-40B4-BE49-F238E27FC236}">
-                <a16:creationId xmlns:a16="http://schemas.microsoft.com/office/drawing/2014/main" id="{31626C30-DD80-AAD6-253E-73C5612415F4}"/>
+                <a16:creationId xmlns:a16="http://schemas.microsoft.com/office/drawing/2014/main" id="{3D8A51F0-A63F-B359-1422-C9C24CC14479}"/>
               </a:ext>
             </a:extLst>
           </p:cNvPr>
@@ -12302,8 +12302,8 @@
         </p:blipFill>
         <p:spPr>
           <a:xfrm>
-            <a:off x="3305116" y="1196489"/>
-            <a:ext cx="5762820" cy="5555001"/>
+            <a:off x="3326267" y="973893"/>
+            <a:ext cx="5520416" cy="5758626"/>
           </a:xfrm>
           <a:prstGeom prst="rect">
             <a:avLst/>
@@ -16327,10 +16327,10 @@
       </p:sp>
       <p:pic>
         <p:nvPicPr>
-          <p:cNvPr id="5" name="Picture 4">
+          <p:cNvPr id="7" name="Picture 6">
             <a:extLst>
               <a:ext uri="{FF2B5EF4-FFF2-40B4-BE49-F238E27FC236}">
-                <a16:creationId xmlns:a16="http://schemas.microsoft.com/office/drawing/2014/main" id="{09EF5B38-6B42-CC18-CDBE-7BBB13481B69}"/>
+                <a16:creationId xmlns:a16="http://schemas.microsoft.com/office/drawing/2014/main" id="{8FD45878-EBAA-7781-A4A2-53F7614B7E1B}"/>
               </a:ext>
             </a:extLst>
           </p:cNvPr>
@@ -16340,83 +16340,7 @@
           <p:nvPr/>
         </p:nvPicPr>
         <p:blipFill>
-          <a:blip r:embed="rId2">
-            <a:extLst>
-              <a:ext uri="{28A0092B-C50C-407E-A947-70E740481C1C}">
-                <a14:useLocalDpi xmlns:a14="http://schemas.microsoft.com/office/drawing/2010/main" val="0"/>
-              </a:ext>
-            </a:extLst>
-          </a:blip>
-          <a:stretch>
-            <a:fillRect/>
-          </a:stretch>
-        </p:blipFill>
-        <p:spPr bwMode="auto">
-          <a:xfrm>
-            <a:off x="3919102" y="3657905"/>
-            <a:ext cx="3848316" cy="1605256"/>
-          </a:xfrm>
-          <a:prstGeom prst="rect">
-            <a:avLst/>
-          </a:prstGeom>
-          <a:noFill/>
-        </p:spPr>
-      </p:pic>
-      <p:pic>
-        <p:nvPicPr>
-          <p:cNvPr id="4" name="Content Placeholder 3">
-            <a:extLst>
-              <a:ext uri="{FF2B5EF4-FFF2-40B4-BE49-F238E27FC236}">
-                <a16:creationId xmlns:a16="http://schemas.microsoft.com/office/drawing/2014/main" id="{F75446D1-527E-6623-6F0F-7B16AA5C6C17}"/>
-              </a:ext>
-            </a:extLst>
-          </p:cNvPr>
-          <p:cNvPicPr>
-            <a:picLocks noGrp="1" noChangeAspect="1"/>
-          </p:cNvPicPr>
-          <p:nvPr>
-            <p:ph idx="1"/>
-          </p:nvPr>
-        </p:nvPicPr>
-        <p:blipFill>
-          <a:blip r:embed="rId3">
-            <a:extLst>
-              <a:ext uri="{28A0092B-C50C-407E-A947-70E740481C1C}">
-                <a14:useLocalDpi xmlns:a14="http://schemas.microsoft.com/office/drawing/2010/main" val="0"/>
-              </a:ext>
-            </a:extLst>
-          </a:blip>
-          <a:stretch>
-            <a:fillRect/>
-          </a:stretch>
-        </p:blipFill>
-        <p:spPr bwMode="auto">
-          <a:xfrm>
-            <a:off x="524785" y="2554293"/>
-            <a:ext cx="2552550" cy="3997831"/>
-          </a:xfrm>
-          <a:prstGeom prst="rect">
-            <a:avLst/>
-          </a:prstGeom>
-          <a:noFill/>
-        </p:spPr>
-      </p:pic>
-      <p:pic>
-        <p:nvPicPr>
-          <p:cNvPr id="7" name="Picture 6">
-            <a:extLst>
-              <a:ext uri="{FF2B5EF4-FFF2-40B4-BE49-F238E27FC236}">
-                <a16:creationId xmlns:a16="http://schemas.microsoft.com/office/drawing/2014/main" id="{8FD45878-EBAA-7781-A4A2-53F7614B7E1B}"/>
-              </a:ext>
-            </a:extLst>
-          </p:cNvPr>
-          <p:cNvPicPr>
-            <a:picLocks noChangeAspect="1"/>
-          </p:cNvPicPr>
-          <p:nvPr/>
-        </p:nvPicPr>
-        <p:blipFill>
-          <a:blip r:embed="rId4"/>
+          <a:blip r:embed="rId2"/>
           <a:stretch>
             <a:fillRect/>
           </a:stretch>
@@ -16429,6 +16353,65 @@
           <a:prstGeom prst="rect">
             <a:avLst/>
           </a:prstGeom>
+        </p:spPr>
+      </p:pic>
+      <p:pic>
+        <p:nvPicPr>
+          <p:cNvPr id="6" name="Picture 5" descr="A table with a number of cities&#10;&#10;Description automatically generated with medium confidence">
+            <a:extLst>
+              <a:ext uri="{FF2B5EF4-FFF2-40B4-BE49-F238E27FC236}">
+                <a16:creationId xmlns:a16="http://schemas.microsoft.com/office/drawing/2014/main" id="{CB1E4AEC-B16A-4230-58FE-59F463FDC9EA}"/>
+              </a:ext>
+            </a:extLst>
+          </p:cNvPr>
+          <p:cNvPicPr>
+            <a:picLocks noChangeAspect="1"/>
+          </p:cNvPicPr>
+          <p:nvPr/>
+        </p:nvPicPr>
+        <p:blipFill>
+          <a:blip r:embed="rId3"/>
+          <a:stretch>
+            <a:fillRect/>
+          </a:stretch>
+        </p:blipFill>
+        <p:spPr>
+          <a:xfrm>
+            <a:off x="3552860" y="3429000"/>
+            <a:ext cx="5027614" cy="2124371"/>
+          </a:xfrm>
+          <a:prstGeom prst="rect">
+            <a:avLst/>
+          </a:prstGeom>
+        </p:spPr>
+      </p:pic>
+      <p:pic>
+        <p:nvPicPr>
+          <p:cNvPr id="11" name="Content Placeholder 10" descr="A screenshot of a computer&#10;&#10;Description automatically generated">
+            <a:extLst>
+              <a:ext uri="{FF2B5EF4-FFF2-40B4-BE49-F238E27FC236}">
+                <a16:creationId xmlns:a16="http://schemas.microsoft.com/office/drawing/2014/main" id="{B44AC65F-B63A-634D-C39C-2EA2B3EDDF1E}"/>
+              </a:ext>
+            </a:extLst>
+          </p:cNvPr>
+          <p:cNvPicPr>
+            <a:picLocks noGrp="1" noChangeAspect="1"/>
+          </p:cNvPicPr>
+          <p:nvPr>
+            <p:ph idx="1"/>
+          </p:nvPr>
+        </p:nvPicPr>
+        <p:blipFill>
+          <a:blip r:embed="rId4"/>
+          <a:stretch>
+            <a:fillRect/>
+          </a:stretch>
+        </p:blipFill>
+        <p:spPr>
+          <a:xfrm>
+            <a:off x="149381" y="2506662"/>
+            <a:ext cx="3254098" cy="4351338"/>
+          </a:xfrm>
         </p:spPr>
       </p:pic>
     </p:spTree>
@@ -29825,7 +29808,7 @@
         </p:blipFill>
         <p:spPr>
           <a:xfrm>
-            <a:off x="3450263" y="1195553"/>
+            <a:off x="3371854" y="1012198"/>
             <a:ext cx="5272427" cy="5923584"/>
           </a:xfrm>
           <a:prstGeom prst="rect">

--- a/Document/AML_Project_Presentation.pptx
+++ b/Document/AML_Project_Presentation.pptx
@@ -19,20 +19,19 @@
     <p:sldId id="267" r:id="rId13"/>
     <p:sldId id="281" r:id="rId14"/>
     <p:sldId id="268" r:id="rId15"/>
-    <p:sldId id="289" r:id="rId16"/>
-    <p:sldId id="280" r:id="rId17"/>
-    <p:sldId id="279" r:id="rId18"/>
-    <p:sldId id="286" r:id="rId19"/>
-    <p:sldId id="287" r:id="rId20"/>
-    <p:sldId id="288" r:id="rId21"/>
-    <p:sldId id="271" r:id="rId22"/>
-    <p:sldId id="274" r:id="rId23"/>
-    <p:sldId id="275" r:id="rId24"/>
-    <p:sldId id="276" r:id="rId25"/>
-    <p:sldId id="278" r:id="rId26"/>
-    <p:sldId id="277" r:id="rId27"/>
-    <p:sldId id="282" r:id="rId28"/>
-    <p:sldId id="283" r:id="rId29"/>
+    <p:sldId id="280" r:id="rId16"/>
+    <p:sldId id="279" r:id="rId17"/>
+    <p:sldId id="286" r:id="rId18"/>
+    <p:sldId id="287" r:id="rId19"/>
+    <p:sldId id="288" r:id="rId20"/>
+    <p:sldId id="271" r:id="rId21"/>
+    <p:sldId id="274" r:id="rId22"/>
+    <p:sldId id="275" r:id="rId23"/>
+    <p:sldId id="276" r:id="rId24"/>
+    <p:sldId id="278" r:id="rId25"/>
+    <p:sldId id="277" r:id="rId26"/>
+    <p:sldId id="282" r:id="rId27"/>
+    <p:sldId id="283" r:id="rId28"/>
   </p:sldIdLst>
   <p:sldSz cx="9144000" cy="6858000" type="screen4x3"/>
   <p:notesSz cx="6858000" cy="9144000"/>
@@ -8213,7 +8212,7 @@
           <a:p>
             <a:fld id="{5BCAD085-E8A6-8845-BD4E-CB4CCA059FC4}" type="datetimeFigureOut">
               <a:rPr lang="en-US" smtClean="0"/>
-              <a:t>10/23/2024</a:t>
+              <a:t>10/24/2024</a:t>
             </a:fld>
             <a:endParaRPr lang="en-US"/>
           </a:p>
@@ -8411,7 +8410,7 @@
           <a:p>
             <a:fld id="{5BCAD085-E8A6-8845-BD4E-CB4CCA059FC4}" type="datetimeFigureOut">
               <a:rPr lang="en-US" smtClean="0"/>
-              <a:t>10/23/2024</a:t>
+              <a:t>10/24/2024</a:t>
             </a:fld>
             <a:endParaRPr lang="en-US"/>
           </a:p>
@@ -8619,7 +8618,7 @@
           <a:p>
             <a:fld id="{5BCAD085-E8A6-8845-BD4E-CB4CCA059FC4}" type="datetimeFigureOut">
               <a:rPr lang="en-US" smtClean="0"/>
-              <a:t>10/23/2024</a:t>
+              <a:t>10/24/2024</a:t>
             </a:fld>
             <a:endParaRPr lang="en-US"/>
           </a:p>
@@ -8817,7 +8816,7 @@
           <a:p>
             <a:fld id="{5BCAD085-E8A6-8845-BD4E-CB4CCA059FC4}" type="datetimeFigureOut">
               <a:rPr lang="en-US" smtClean="0"/>
-              <a:t>10/23/2024</a:t>
+              <a:t>10/24/2024</a:t>
             </a:fld>
             <a:endParaRPr lang="en-US"/>
           </a:p>
@@ -9092,7 +9091,7 @@
           <a:p>
             <a:fld id="{5BCAD085-E8A6-8845-BD4E-CB4CCA059FC4}" type="datetimeFigureOut">
               <a:rPr lang="en-US" smtClean="0"/>
-              <a:t>10/23/2024</a:t>
+              <a:t>10/24/2024</a:t>
             </a:fld>
             <a:endParaRPr lang="en-US"/>
           </a:p>
@@ -9357,7 +9356,7 @@
           <a:p>
             <a:fld id="{5BCAD085-E8A6-8845-BD4E-CB4CCA059FC4}" type="datetimeFigureOut">
               <a:rPr lang="en-US" smtClean="0"/>
-              <a:t>10/23/2024</a:t>
+              <a:t>10/24/2024</a:t>
             </a:fld>
             <a:endParaRPr lang="en-US"/>
           </a:p>
@@ -9769,7 +9768,7 @@
           <a:p>
             <a:fld id="{5BCAD085-E8A6-8845-BD4E-CB4CCA059FC4}" type="datetimeFigureOut">
               <a:rPr lang="en-US" smtClean="0"/>
-              <a:t>10/23/2024</a:t>
+              <a:t>10/24/2024</a:t>
             </a:fld>
             <a:endParaRPr lang="en-US"/>
           </a:p>
@@ -9910,7 +9909,7 @@
           <a:p>
             <a:fld id="{5BCAD085-E8A6-8845-BD4E-CB4CCA059FC4}" type="datetimeFigureOut">
               <a:rPr lang="en-US" smtClean="0"/>
-              <a:t>10/23/2024</a:t>
+              <a:t>10/24/2024</a:t>
             </a:fld>
             <a:endParaRPr lang="en-US"/>
           </a:p>
@@ -10023,7 +10022,7 @@
           <a:p>
             <a:fld id="{5BCAD085-E8A6-8845-BD4E-CB4CCA059FC4}" type="datetimeFigureOut">
               <a:rPr lang="en-US" smtClean="0"/>
-              <a:t>10/23/2024</a:t>
+              <a:t>10/24/2024</a:t>
             </a:fld>
             <a:endParaRPr lang="en-US"/>
           </a:p>
@@ -10334,7 +10333,7 @@
           <a:p>
             <a:fld id="{5BCAD085-E8A6-8845-BD4E-CB4CCA059FC4}" type="datetimeFigureOut">
               <a:rPr lang="en-US" smtClean="0"/>
-              <a:t>10/23/2024</a:t>
+              <a:t>10/24/2024</a:t>
             </a:fld>
             <a:endParaRPr lang="en-US"/>
           </a:p>
@@ -10622,7 +10621,7 @@
           <a:p>
             <a:fld id="{5BCAD085-E8A6-8845-BD4E-CB4CCA059FC4}" type="datetimeFigureOut">
               <a:rPr lang="en-US" smtClean="0"/>
-              <a:t>10/23/2024</a:t>
+              <a:t>10/24/2024</a:t>
             </a:fld>
             <a:endParaRPr lang="en-US"/>
           </a:p>
@@ -10863,7 +10862,7 @@
           <a:p>
             <a:fld id="{5BCAD085-E8A6-8845-BD4E-CB4CCA059FC4}" type="datetimeFigureOut">
               <a:rPr lang="en-US" smtClean="0"/>
-              <a:t>10/23/2024</a:t>
+              <a:t>10/24/2024</a:t>
             </a:fld>
             <a:endParaRPr lang="en-US"/>
           </a:p>
@@ -14197,574 +14196,6 @@
     </p:bg>
     <p:spTree>
       <p:nvGrpSpPr>
-        <p:cNvPr id="1" name="">
-          <a:extLst>
-            <a:ext uri="{FF2B5EF4-FFF2-40B4-BE49-F238E27FC236}">
-              <a16:creationId xmlns:a16="http://schemas.microsoft.com/office/drawing/2014/main" id="{83763A93-698D-82D2-6DBC-7AB211B1C208}"/>
-            </a:ext>
-          </a:extLst>
-        </p:cNvPr>
-        <p:cNvGrpSpPr/>
-        <p:nvPr/>
-      </p:nvGrpSpPr>
-      <p:grpSpPr>
-        <a:xfrm>
-          <a:off x="0" y="0"/>
-          <a:ext cx="0" cy="0"/>
-          <a:chOff x="0" y="0"/>
-          <a:chExt cx="0" cy="0"/>
-        </a:xfrm>
-      </p:grpSpPr>
-      <p:sp useBgFill="1">
-        <p:nvSpPr>
-          <p:cNvPr id="12" name="Rectangle 11">
-            <a:extLst>
-              <a:ext uri="{FF2B5EF4-FFF2-40B4-BE49-F238E27FC236}">
-                <a16:creationId xmlns:a16="http://schemas.microsoft.com/office/drawing/2014/main" id="{6B266D87-66AF-FDBC-6A8F-81F31D0F3C48}"/>
-              </a:ext>
-              <a:ext uri="{C183D7F6-B498-43B3-948B-1728B52AA6E4}">
-                <adec:decorative xmlns:adec="http://schemas.microsoft.com/office/drawing/2017/decorative" val="1"/>
-              </a:ext>
-            </a:extLst>
-          </p:cNvPr>
-          <p:cNvSpPr>
-            <a:spLocks noGrp="1" noRot="1" noChangeAspect="1" noMove="1" noResize="1" noEditPoints="1" noAdjustHandles="1" noChangeArrowheads="1" noChangeShapeType="1" noTextEdit="1"/>
-          </p:cNvSpPr>
-          <p:nvPr>
-            <p:extLst>
-              <p:ext uri="{386F3935-93C4-4BCD-93E2-E3B085C9AB24}">
-                <p16:designElem xmlns:p16="http://schemas.microsoft.com/office/powerpoint/2015/main" val="1"/>
-              </p:ext>
-            </p:extLst>
-          </p:nvPr>
-        </p:nvSpPr>
-        <p:spPr>
-          <a:xfrm>
-            <a:off x="0" y="728345"/>
-            <a:ext cx="9144000" cy="6858000"/>
-          </a:xfrm>
-          <a:prstGeom prst="rect">
-            <a:avLst/>
-          </a:prstGeom>
-          <a:ln w="12700" cap="flat" cmpd="sng" algn="ctr">
-            <a:noFill/>
-            <a:prstDash val="solid"/>
-            <a:miter lim="800000"/>
-          </a:ln>
-          <a:effectLst/>
-          <a:extLst>
-            <a:ext uri="{91240B29-F687-4F45-9708-019B960494DF}">
-              <a14:hiddenLine xmlns:a14="http://schemas.microsoft.com/office/drawing/2010/main" w="12700" cap="flat" cmpd="sng" algn="ctr">
-                <a:solidFill>
-                  <a:schemeClr val="accent1">
-                    <a:shade val="50000"/>
-                  </a:schemeClr>
-                </a:solidFill>
-                <a:prstDash val="solid"/>
-                <a:miter lim="800000"/>
-              </a14:hiddenLine>
-            </a:ext>
-          </a:extLst>
-        </p:spPr>
-        <p:style>
-          <a:lnRef idx="2">
-            <a:schemeClr val="accent1">
-              <a:shade val="50000"/>
-            </a:schemeClr>
-          </a:lnRef>
-          <a:fillRef idx="1">
-            <a:schemeClr val="accent1"/>
-          </a:fillRef>
-          <a:effectRef idx="0">
-            <a:schemeClr val="accent1"/>
-          </a:effectRef>
-          <a:fontRef idx="minor">
-            <a:schemeClr val="lt1"/>
-          </a:fontRef>
-        </p:style>
-        <p:txBody>
-          <a:bodyPr rtlCol="0" anchor="ctr"/>
-          <a:lstStyle/>
-          <a:p>
-            <a:pPr algn="ctr"/>
-            <a:endParaRPr lang="en-US" sz="2000"/>
-          </a:p>
-        </p:txBody>
-      </p:sp>
-      <p:sp>
-        <p:nvSpPr>
-          <p:cNvPr id="14" name="Rectangle 13">
-            <a:extLst>
-              <a:ext uri="{FF2B5EF4-FFF2-40B4-BE49-F238E27FC236}">
-                <a16:creationId xmlns:a16="http://schemas.microsoft.com/office/drawing/2014/main" id="{CD381DE6-3599-8800-8D01-128A8182C77D}"/>
-              </a:ext>
-              <a:ext uri="{C183D7F6-B498-43B3-948B-1728B52AA6E4}">
-                <adec:decorative xmlns:adec="http://schemas.microsoft.com/office/drawing/2017/decorative" val="1"/>
-              </a:ext>
-            </a:extLst>
-          </p:cNvPr>
-          <p:cNvSpPr>
-            <a:spLocks noGrp="1" noRot="1" noChangeAspect="1" noMove="1" noResize="1" noEditPoints="1" noAdjustHandles="1" noChangeArrowheads="1" noChangeShapeType="1" noTextEdit="1"/>
-          </p:cNvSpPr>
-          <p:nvPr>
-            <p:extLst>
-              <p:ext uri="{386F3935-93C4-4BCD-93E2-E3B085C9AB24}">
-                <p16:designElem xmlns:p16="http://schemas.microsoft.com/office/powerpoint/2015/main" val="1"/>
-              </p:ext>
-            </p:extLst>
-          </p:nvPr>
-        </p:nvSpPr>
-        <p:spPr>
-          <a:xfrm flipH="1">
-            <a:off x="1" y="728837"/>
-            <a:ext cx="9143999" cy="1575955"/>
-          </a:xfrm>
-          <a:prstGeom prst="rect">
-            <a:avLst/>
-          </a:prstGeom>
-          <a:gradFill>
-            <a:gsLst>
-              <a:gs pos="0">
-                <a:schemeClr val="accent1">
-                  <a:lumMod val="50000"/>
-                </a:schemeClr>
-              </a:gs>
-              <a:gs pos="100000">
-                <a:schemeClr val="accent1">
-                  <a:lumMod val="75000"/>
-                </a:schemeClr>
-              </a:gs>
-            </a:gsLst>
-            <a:lin ang="8400000" scaled="0"/>
-          </a:gradFill>
-          <a:ln>
-            <a:noFill/>
-          </a:ln>
-        </p:spPr>
-        <p:style>
-          <a:lnRef idx="2">
-            <a:schemeClr val="accent1">
-              <a:shade val="50000"/>
-            </a:schemeClr>
-          </a:lnRef>
-          <a:fillRef idx="1">
-            <a:schemeClr val="accent1"/>
-          </a:fillRef>
-          <a:effectRef idx="0">
-            <a:schemeClr val="accent1"/>
-          </a:effectRef>
-          <a:fontRef idx="minor">
-            <a:schemeClr val="lt1"/>
-          </a:fontRef>
-        </p:style>
-        <p:txBody>
-          <a:bodyPr rtlCol="0" anchor="ctr"/>
-          <a:lstStyle/>
-          <a:p>
-            <a:pPr algn="ctr"/>
-            <a:endParaRPr lang="en-US"/>
-          </a:p>
-        </p:txBody>
-      </p:sp>
-      <p:sp>
-        <p:nvSpPr>
-          <p:cNvPr id="16" name="Rectangle 15">
-            <a:extLst>
-              <a:ext uri="{FF2B5EF4-FFF2-40B4-BE49-F238E27FC236}">
-                <a16:creationId xmlns:a16="http://schemas.microsoft.com/office/drawing/2014/main" id="{01791574-8858-D344-61E8-40B3B77CCFB1}"/>
-              </a:ext>
-              <a:ext uri="{C183D7F6-B498-43B3-948B-1728B52AA6E4}">
-                <adec:decorative xmlns:adec="http://schemas.microsoft.com/office/drawing/2017/decorative" val="1"/>
-              </a:ext>
-            </a:extLst>
-          </p:cNvPr>
-          <p:cNvSpPr>
-            <a:spLocks noGrp="1" noRot="1" noChangeAspect="1" noMove="1" noResize="1" noEditPoints="1" noAdjustHandles="1" noChangeArrowheads="1" noChangeShapeType="1" noTextEdit="1"/>
-          </p:cNvSpPr>
-          <p:nvPr>
-            <p:extLst>
-              <p:ext uri="{386F3935-93C4-4BCD-93E2-E3B085C9AB24}">
-                <p16:designElem xmlns:p16="http://schemas.microsoft.com/office/powerpoint/2015/main" val="1"/>
-              </p:ext>
-            </p:extLst>
-          </p:nvPr>
-        </p:nvSpPr>
-        <p:spPr>
-          <a:xfrm rot="10800000" flipH="1">
-            <a:off x="6096642" y="728380"/>
-            <a:ext cx="3047358" cy="1576412"/>
-          </a:xfrm>
-          <a:prstGeom prst="rect">
-            <a:avLst/>
-          </a:prstGeom>
-          <a:gradFill>
-            <a:gsLst>
-              <a:gs pos="19000">
-                <a:schemeClr val="accent1">
-                  <a:lumMod val="50000"/>
-                  <a:alpha val="68000"/>
-                </a:schemeClr>
-              </a:gs>
-              <a:gs pos="100000">
-                <a:schemeClr val="accent1">
-                  <a:alpha val="79000"/>
-                </a:schemeClr>
-              </a:gs>
-            </a:gsLst>
-            <a:lin ang="19200000" scaled="0"/>
-          </a:gradFill>
-          <a:ln>
-            <a:noFill/>
-          </a:ln>
-        </p:spPr>
-        <p:style>
-          <a:lnRef idx="2">
-            <a:schemeClr val="accent1">
-              <a:shade val="50000"/>
-            </a:schemeClr>
-          </a:lnRef>
-          <a:fillRef idx="1">
-            <a:schemeClr val="accent1"/>
-          </a:fillRef>
-          <a:effectRef idx="0">
-            <a:schemeClr val="accent1"/>
-          </a:effectRef>
-          <a:fontRef idx="minor">
-            <a:schemeClr val="lt1"/>
-          </a:fontRef>
-        </p:style>
-        <p:txBody>
-          <a:bodyPr rtlCol="0" anchor="ctr"/>
-          <a:lstStyle/>
-          <a:p>
-            <a:pPr algn="ctr"/>
-            <a:endParaRPr lang="en-US"/>
-          </a:p>
-        </p:txBody>
-      </p:sp>
-      <p:sp>
-        <p:nvSpPr>
-          <p:cNvPr id="18" name="Rectangle 17">
-            <a:extLst>
-              <a:ext uri="{FF2B5EF4-FFF2-40B4-BE49-F238E27FC236}">
-                <a16:creationId xmlns:a16="http://schemas.microsoft.com/office/drawing/2014/main" id="{04808BBE-8908-7E78-C9A5-3E2326D6186F}"/>
-              </a:ext>
-              <a:ext uri="{C183D7F6-B498-43B3-948B-1728B52AA6E4}">
-                <adec:decorative xmlns:adec="http://schemas.microsoft.com/office/drawing/2017/decorative" val="1"/>
-              </a:ext>
-            </a:extLst>
-          </p:cNvPr>
-          <p:cNvSpPr>
-            <a:spLocks noGrp="1" noRot="1" noChangeAspect="1" noMove="1" noResize="1" noEditPoints="1" noAdjustHandles="1" noChangeArrowheads="1" noChangeShapeType="1" noTextEdit="1"/>
-          </p:cNvSpPr>
-          <p:nvPr>
-            <p:extLst>
-              <p:ext uri="{386F3935-93C4-4BCD-93E2-E3B085C9AB24}">
-                <p16:designElem xmlns:p16="http://schemas.microsoft.com/office/powerpoint/2015/main" val="1"/>
-              </p:ext>
-            </p:extLst>
-          </p:nvPr>
-        </p:nvSpPr>
-        <p:spPr>
-          <a:xfrm rot="5400000">
-            <a:off x="3783778" y="-3055432"/>
-            <a:ext cx="1576446" cy="9144001"/>
-          </a:xfrm>
-          <a:prstGeom prst="rect">
-            <a:avLst/>
-          </a:prstGeom>
-          <a:gradFill>
-            <a:gsLst>
-              <a:gs pos="16000">
-                <a:srgbClr val="000000">
-                  <a:alpha val="0"/>
-                </a:srgbClr>
-              </a:gs>
-              <a:gs pos="99000">
-                <a:srgbClr val="000000">
-                  <a:alpha val="87000"/>
-                </a:srgbClr>
-              </a:gs>
-            </a:gsLst>
-            <a:lin ang="11400000" scaled="0"/>
-          </a:gradFill>
-          <a:ln>
-            <a:noFill/>
-          </a:ln>
-        </p:spPr>
-        <p:style>
-          <a:lnRef idx="2">
-            <a:schemeClr val="accent1">
-              <a:shade val="50000"/>
-            </a:schemeClr>
-          </a:lnRef>
-          <a:fillRef idx="1">
-            <a:schemeClr val="accent1"/>
-          </a:fillRef>
-          <a:effectRef idx="0">
-            <a:schemeClr val="accent1"/>
-          </a:effectRef>
-          <a:fontRef idx="minor">
-            <a:schemeClr val="lt1"/>
-          </a:fontRef>
-        </p:style>
-        <p:txBody>
-          <a:bodyPr rtlCol="0" anchor="ctr"/>
-          <a:lstStyle/>
-          <a:p>
-            <a:pPr algn="ctr"/>
-            <a:endParaRPr lang="en-US" dirty="0"/>
-          </a:p>
-        </p:txBody>
-      </p:sp>
-      <p:sp>
-        <p:nvSpPr>
-          <p:cNvPr id="20" name="Rectangle 19">
-            <a:extLst>
-              <a:ext uri="{FF2B5EF4-FFF2-40B4-BE49-F238E27FC236}">
-                <a16:creationId xmlns:a16="http://schemas.microsoft.com/office/drawing/2014/main" id="{313A3917-7927-B13C-CFB8-D1B4A797B07C}"/>
-              </a:ext>
-              <a:ext uri="{C183D7F6-B498-43B3-948B-1728B52AA6E4}">
-                <adec:decorative xmlns:adec="http://schemas.microsoft.com/office/drawing/2017/decorative" val="1"/>
-              </a:ext>
-            </a:extLst>
-          </p:cNvPr>
-          <p:cNvSpPr>
-            <a:spLocks noGrp="1" noRot="1" noChangeAspect="1" noMove="1" noResize="1" noEditPoints="1" noAdjustHandles="1" noChangeArrowheads="1" noChangeShapeType="1" noTextEdit="1"/>
-          </p:cNvSpPr>
-          <p:nvPr>
-            <p:extLst>
-              <p:ext uri="{386F3935-93C4-4BCD-93E2-E3B085C9AB24}">
-                <p16:designElem xmlns:p16="http://schemas.microsoft.com/office/powerpoint/2015/main" val="1"/>
-              </p:ext>
-            </p:extLst>
-          </p:nvPr>
-        </p:nvSpPr>
-        <p:spPr>
-          <a:xfrm>
-            <a:off x="2869075" y="729331"/>
-            <a:ext cx="3227567" cy="1575461"/>
-          </a:xfrm>
-          <a:prstGeom prst="rect">
-            <a:avLst/>
-          </a:prstGeom>
-          <a:gradFill>
-            <a:gsLst>
-              <a:gs pos="0">
-                <a:schemeClr val="accent1">
-                  <a:alpha val="17000"/>
-                </a:schemeClr>
-              </a:gs>
-              <a:gs pos="74000">
-                <a:schemeClr val="accent1">
-                  <a:lumMod val="50000"/>
-                  <a:alpha val="0"/>
-                </a:schemeClr>
-              </a:gs>
-            </a:gsLst>
-            <a:lin ang="14400000" scaled="0"/>
-          </a:gradFill>
-          <a:ln>
-            <a:noFill/>
-          </a:ln>
-        </p:spPr>
-        <p:style>
-          <a:lnRef idx="2">
-            <a:schemeClr val="accent1">
-              <a:shade val="50000"/>
-            </a:schemeClr>
-          </a:lnRef>
-          <a:fillRef idx="1">
-            <a:schemeClr val="accent1"/>
-          </a:fillRef>
-          <a:effectRef idx="0">
-            <a:schemeClr val="accent1"/>
-          </a:effectRef>
-          <a:fontRef idx="minor">
-            <a:schemeClr val="lt1"/>
-          </a:fontRef>
-        </p:style>
-        <p:txBody>
-          <a:bodyPr rtlCol="0" anchor="ctr"/>
-          <a:lstStyle/>
-          <a:p>
-            <a:pPr algn="ctr"/>
-            <a:endParaRPr lang="en-US"/>
-          </a:p>
-        </p:txBody>
-      </p:sp>
-      <p:sp>
-        <p:nvSpPr>
-          <p:cNvPr id="2" name="Title 1">
-            <a:extLst>
-              <a:ext uri="{FF2B5EF4-FFF2-40B4-BE49-F238E27FC236}">
-                <a16:creationId xmlns:a16="http://schemas.microsoft.com/office/drawing/2014/main" id="{3465E559-9905-4B91-0824-C8AA95EB4876}"/>
-              </a:ext>
-            </a:extLst>
-          </p:cNvPr>
-          <p:cNvSpPr>
-            <a:spLocks noGrp="1"/>
-          </p:cNvSpPr>
-          <p:nvPr>
-            <p:ph type="title"/>
-          </p:nvPr>
-        </p:nvSpPr>
-        <p:spPr>
-          <a:xfrm>
-            <a:off x="524785" y="1081505"/>
-            <a:ext cx="5318475" cy="898581"/>
-          </a:xfrm>
-        </p:spPr>
-        <p:txBody>
-          <a:bodyPr vert="horz" lIns="91440" tIns="45720" rIns="91440" bIns="45720" rtlCol="0" anchor="ctr">
-            <a:normAutofit/>
-          </a:bodyPr>
-          <a:lstStyle/>
-          <a:p>
-            <a:pPr defTabSz="914400"/>
-            <a:r>
-              <a:rPr lang="en-US" sz="3000">
-                <a:solidFill>
-                  <a:srgbClr val="FFFFFF"/>
-                </a:solidFill>
-              </a:rPr>
-              <a:t>SCD For Transaction Dimension</a:t>
-            </a:r>
-          </a:p>
-        </p:txBody>
-      </p:sp>
-      <p:pic>
-        <p:nvPicPr>
-          <p:cNvPr id="5" name="Picture 4">
-            <a:extLst>
-              <a:ext uri="{FF2B5EF4-FFF2-40B4-BE49-F238E27FC236}">
-                <a16:creationId xmlns:a16="http://schemas.microsoft.com/office/drawing/2014/main" id="{9F7271D6-1C26-1558-1FD0-7453C81D0943}"/>
-              </a:ext>
-            </a:extLst>
-          </p:cNvPr>
-          <p:cNvPicPr>
-            <a:picLocks noChangeAspect="1"/>
-          </p:cNvPicPr>
-          <p:nvPr/>
-        </p:nvPicPr>
-        <p:blipFill>
-          <a:blip r:embed="rId2">
-            <a:extLst>
-              <a:ext uri="{28A0092B-C50C-407E-A947-70E740481C1C}">
-                <a14:useLocalDpi xmlns:a14="http://schemas.microsoft.com/office/drawing/2010/main" val="0"/>
-              </a:ext>
-            </a:extLst>
-          </a:blip>
-          <a:stretch>
-            <a:fillRect/>
-          </a:stretch>
-        </p:blipFill>
-        <p:spPr bwMode="auto">
-          <a:xfrm>
-            <a:off x="4285851" y="3610150"/>
-            <a:ext cx="3848316" cy="2091462"/>
-          </a:xfrm>
-          <a:prstGeom prst="rect">
-            <a:avLst/>
-          </a:prstGeom>
-          <a:noFill/>
-        </p:spPr>
-      </p:pic>
-      <p:pic>
-        <p:nvPicPr>
-          <p:cNvPr id="4" name="Content Placeholder 3">
-            <a:extLst>
-              <a:ext uri="{FF2B5EF4-FFF2-40B4-BE49-F238E27FC236}">
-                <a16:creationId xmlns:a16="http://schemas.microsoft.com/office/drawing/2014/main" id="{B90E56EA-A7B6-9676-8478-BC6A2D98C3E6}"/>
-              </a:ext>
-            </a:extLst>
-          </p:cNvPr>
-          <p:cNvPicPr>
-            <a:picLocks noGrp="1" noChangeAspect="1"/>
-          </p:cNvPicPr>
-          <p:nvPr>
-            <p:ph idx="1"/>
-          </p:nvPr>
-        </p:nvPicPr>
-        <p:blipFill>
-          <a:blip r:embed="rId3">
-            <a:extLst>
-              <a:ext uri="{28A0092B-C50C-407E-A947-70E740481C1C}">
-                <a14:useLocalDpi xmlns:a14="http://schemas.microsoft.com/office/drawing/2010/main" val="0"/>
-              </a:ext>
-            </a:extLst>
-          </a:blip>
-          <a:stretch>
-            <a:fillRect/>
-          </a:stretch>
-        </p:blipFill>
-        <p:spPr bwMode="auto">
-          <a:xfrm>
-            <a:off x="1009833" y="2708431"/>
-            <a:ext cx="2758503" cy="3997831"/>
-          </a:xfrm>
-          <a:prstGeom prst="rect">
-            <a:avLst/>
-          </a:prstGeom>
-          <a:noFill/>
-        </p:spPr>
-      </p:pic>
-      <p:pic>
-        <p:nvPicPr>
-          <p:cNvPr id="7" name="Picture 6">
-            <a:extLst>
-              <a:ext uri="{FF2B5EF4-FFF2-40B4-BE49-F238E27FC236}">
-                <a16:creationId xmlns:a16="http://schemas.microsoft.com/office/drawing/2014/main" id="{B5355CA7-A258-F248-86AA-1DA1769C0C7A}"/>
-              </a:ext>
-            </a:extLst>
-          </p:cNvPr>
-          <p:cNvPicPr>
-            <a:picLocks noChangeAspect="1"/>
-          </p:cNvPicPr>
-          <p:nvPr/>
-        </p:nvPicPr>
-        <p:blipFill>
-          <a:blip r:embed="rId4"/>
-          <a:stretch>
-            <a:fillRect/>
-          </a:stretch>
-        </p:blipFill>
-        <p:spPr>
-          <a:xfrm>
-            <a:off x="0" y="0"/>
-            <a:ext cx="9144000" cy="728345"/>
-          </a:xfrm>
-          <a:prstGeom prst="rect">
-            <a:avLst/>
-          </a:prstGeom>
-        </p:spPr>
-      </p:pic>
-    </p:spTree>
-    <p:extLst>
-      <p:ext uri="{BB962C8B-B14F-4D97-AF65-F5344CB8AC3E}">
-        <p14:creationId xmlns:p14="http://schemas.microsoft.com/office/powerpoint/2010/main" val="1075435666"/>
-      </p:ext>
-    </p:extLst>
-  </p:cSld>
-  <p:clrMapOvr>
-    <a:masterClrMapping/>
-  </p:clrMapOvr>
-</p:sld>
-</file>
-
-<file path=ppt/slides/slide16.xml><?xml version="1.0" encoding="utf-8"?>
-<p:sld xmlns:a="http://schemas.openxmlformats.org/drawingml/2006/main" xmlns:r="http://schemas.openxmlformats.org/officeDocument/2006/relationships" xmlns:p="http://schemas.openxmlformats.org/presentationml/2006/main">
-  <p:cSld>
-    <p:bg>
-      <p:bgPr>
-        <a:solidFill>
-          <a:schemeClr val="bg1"/>
-        </a:solidFill>
-        <a:effectLst/>
-      </p:bgPr>
-    </p:bg>
-    <p:spTree>
-      <p:nvGrpSpPr>
         <p:cNvPr id="1" name=""/>
         <p:cNvGrpSpPr/>
         <p:nvPr/>
@@ -15314,7 +14745,7 @@
 </p:sld>
 </file>
 
-<file path=ppt/slides/slide17.xml><?xml version="1.0" encoding="utf-8"?>
+<file path=ppt/slides/slide16.xml><?xml version="1.0" encoding="utf-8"?>
 <p:sld xmlns:a="http://schemas.openxmlformats.org/drawingml/2006/main" xmlns:r="http://schemas.openxmlformats.org/officeDocument/2006/relationships" xmlns:p="http://schemas.openxmlformats.org/presentationml/2006/main">
   <p:cSld>
     <p:bg>
@@ -15876,7 +15307,7 @@
 </p:sld>
 </file>
 
-<file path=ppt/slides/slide18.xml><?xml version="1.0" encoding="utf-8"?>
+<file path=ppt/slides/slide17.xml><?xml version="1.0" encoding="utf-8"?>
 <p:sld xmlns:a="http://schemas.openxmlformats.org/drawingml/2006/main" xmlns:r="http://schemas.openxmlformats.org/officeDocument/2006/relationships" xmlns:p="http://schemas.openxmlformats.org/presentationml/2006/main">
   <p:cSld>
     <p:bg>
@@ -16427,7 +15858,7 @@
 </p:sld>
 </file>
 
-<file path=ppt/slides/slide19.xml><?xml version="1.0" encoding="utf-8"?>
+<file path=ppt/slides/slide18.xml><?xml version="1.0" encoding="utf-8"?>
 <p:sld xmlns:a="http://schemas.openxmlformats.org/drawingml/2006/main" xmlns:r="http://schemas.openxmlformats.org/officeDocument/2006/relationships" xmlns:p="http://schemas.openxmlformats.org/presentationml/2006/main">
   <p:cSld>
     <p:bg>
@@ -16970,6 +16401,558 @@
     <p:extLst>
       <p:ext uri="{BB962C8B-B14F-4D97-AF65-F5344CB8AC3E}">
         <p14:creationId xmlns:p14="http://schemas.microsoft.com/office/powerpoint/2010/main" val="376944042"/>
+      </p:ext>
+    </p:extLst>
+  </p:cSld>
+  <p:clrMapOvr>
+    <a:masterClrMapping/>
+  </p:clrMapOvr>
+</p:sld>
+</file>
+
+<file path=ppt/slides/slide19.xml><?xml version="1.0" encoding="utf-8"?>
+<p:sld xmlns:a="http://schemas.openxmlformats.org/drawingml/2006/main" xmlns:r="http://schemas.openxmlformats.org/officeDocument/2006/relationships" xmlns:p="http://schemas.openxmlformats.org/presentationml/2006/main">
+  <p:cSld>
+    <p:bg>
+      <p:bgPr>
+        <a:solidFill>
+          <a:schemeClr val="bg1"/>
+        </a:solidFill>
+        <a:effectLst/>
+      </p:bgPr>
+    </p:bg>
+    <p:spTree>
+      <p:nvGrpSpPr>
+        <p:cNvPr id="1" name="">
+          <a:extLst>
+            <a:ext uri="{FF2B5EF4-FFF2-40B4-BE49-F238E27FC236}">
+              <a16:creationId xmlns:a16="http://schemas.microsoft.com/office/drawing/2014/main" id="{DB2AA31E-E903-D4F1-F6A1-281644A2BA65}"/>
+            </a:ext>
+          </a:extLst>
+        </p:cNvPr>
+        <p:cNvGrpSpPr/>
+        <p:nvPr/>
+      </p:nvGrpSpPr>
+      <p:grpSpPr>
+        <a:xfrm>
+          <a:off x="0" y="0"/>
+          <a:ext cx="0" cy="0"/>
+          <a:chOff x="0" y="0"/>
+          <a:chExt cx="0" cy="0"/>
+        </a:xfrm>
+      </p:grpSpPr>
+      <p:sp useBgFill="1">
+        <p:nvSpPr>
+          <p:cNvPr id="12" name="Rectangle 11">
+            <a:extLst>
+              <a:ext uri="{FF2B5EF4-FFF2-40B4-BE49-F238E27FC236}">
+                <a16:creationId xmlns:a16="http://schemas.microsoft.com/office/drawing/2014/main" id="{9F4A9CA2-7973-419B-C3FE-1F3B8CEAEFD2}"/>
+              </a:ext>
+              <a:ext uri="{C183D7F6-B498-43B3-948B-1728B52AA6E4}">
+                <adec:decorative xmlns:adec="http://schemas.microsoft.com/office/drawing/2017/decorative" val="1"/>
+              </a:ext>
+            </a:extLst>
+          </p:cNvPr>
+          <p:cNvSpPr>
+            <a:spLocks noGrp="1" noRot="1" noChangeAspect="1" noMove="1" noResize="1" noEditPoints="1" noAdjustHandles="1" noChangeArrowheads="1" noChangeShapeType="1" noTextEdit="1"/>
+          </p:cNvSpPr>
+          <p:nvPr>
+            <p:extLst>
+              <p:ext uri="{386F3935-93C4-4BCD-93E2-E3B085C9AB24}">
+                <p16:designElem xmlns:p16="http://schemas.microsoft.com/office/powerpoint/2015/main" val="1"/>
+              </p:ext>
+            </p:extLst>
+          </p:nvPr>
+        </p:nvSpPr>
+        <p:spPr>
+          <a:xfrm>
+            <a:off x="0" y="728345"/>
+            <a:ext cx="9144000" cy="6858000"/>
+          </a:xfrm>
+          <a:prstGeom prst="rect">
+            <a:avLst/>
+          </a:prstGeom>
+          <a:ln w="12700" cap="flat" cmpd="sng" algn="ctr">
+            <a:noFill/>
+            <a:prstDash val="solid"/>
+            <a:miter lim="800000"/>
+          </a:ln>
+          <a:effectLst/>
+          <a:extLst>
+            <a:ext uri="{91240B29-F687-4F45-9708-019B960494DF}">
+              <a14:hiddenLine xmlns:a14="http://schemas.microsoft.com/office/drawing/2010/main" w="12700" cap="flat" cmpd="sng" algn="ctr">
+                <a:solidFill>
+                  <a:schemeClr val="accent1">
+                    <a:shade val="50000"/>
+                  </a:schemeClr>
+                </a:solidFill>
+                <a:prstDash val="solid"/>
+                <a:miter lim="800000"/>
+              </a14:hiddenLine>
+            </a:ext>
+          </a:extLst>
+        </p:spPr>
+        <p:style>
+          <a:lnRef idx="2">
+            <a:schemeClr val="accent1">
+              <a:shade val="50000"/>
+            </a:schemeClr>
+          </a:lnRef>
+          <a:fillRef idx="1">
+            <a:schemeClr val="accent1"/>
+          </a:fillRef>
+          <a:effectRef idx="0">
+            <a:schemeClr val="accent1"/>
+          </a:effectRef>
+          <a:fontRef idx="minor">
+            <a:schemeClr val="lt1"/>
+          </a:fontRef>
+        </p:style>
+        <p:txBody>
+          <a:bodyPr rtlCol="0" anchor="ctr"/>
+          <a:lstStyle/>
+          <a:p>
+            <a:pPr algn="ctr"/>
+            <a:endParaRPr lang="en-US" sz="2000"/>
+          </a:p>
+        </p:txBody>
+      </p:sp>
+      <p:sp>
+        <p:nvSpPr>
+          <p:cNvPr id="14" name="Rectangle 13">
+            <a:extLst>
+              <a:ext uri="{FF2B5EF4-FFF2-40B4-BE49-F238E27FC236}">
+                <a16:creationId xmlns:a16="http://schemas.microsoft.com/office/drawing/2014/main" id="{D6269046-DCDC-833A-84F9-3CA83071EDA1}"/>
+              </a:ext>
+              <a:ext uri="{C183D7F6-B498-43B3-948B-1728B52AA6E4}">
+                <adec:decorative xmlns:adec="http://schemas.microsoft.com/office/drawing/2017/decorative" val="1"/>
+              </a:ext>
+            </a:extLst>
+          </p:cNvPr>
+          <p:cNvSpPr>
+            <a:spLocks noGrp="1" noRot="1" noChangeAspect="1" noMove="1" noResize="1" noEditPoints="1" noAdjustHandles="1" noChangeArrowheads="1" noChangeShapeType="1" noTextEdit="1"/>
+          </p:cNvSpPr>
+          <p:nvPr>
+            <p:extLst>
+              <p:ext uri="{386F3935-93C4-4BCD-93E2-E3B085C9AB24}">
+                <p16:designElem xmlns:p16="http://schemas.microsoft.com/office/powerpoint/2015/main" val="1"/>
+              </p:ext>
+            </p:extLst>
+          </p:nvPr>
+        </p:nvSpPr>
+        <p:spPr>
+          <a:xfrm flipH="1">
+            <a:off x="1" y="728837"/>
+            <a:ext cx="9143999" cy="1575955"/>
+          </a:xfrm>
+          <a:prstGeom prst="rect">
+            <a:avLst/>
+          </a:prstGeom>
+          <a:gradFill>
+            <a:gsLst>
+              <a:gs pos="0">
+                <a:schemeClr val="accent1">
+                  <a:lumMod val="50000"/>
+                </a:schemeClr>
+              </a:gs>
+              <a:gs pos="100000">
+                <a:schemeClr val="accent1">
+                  <a:lumMod val="75000"/>
+                </a:schemeClr>
+              </a:gs>
+            </a:gsLst>
+            <a:lin ang="8400000" scaled="0"/>
+          </a:gradFill>
+          <a:ln>
+            <a:noFill/>
+          </a:ln>
+        </p:spPr>
+        <p:style>
+          <a:lnRef idx="2">
+            <a:schemeClr val="accent1">
+              <a:shade val="50000"/>
+            </a:schemeClr>
+          </a:lnRef>
+          <a:fillRef idx="1">
+            <a:schemeClr val="accent1"/>
+          </a:fillRef>
+          <a:effectRef idx="0">
+            <a:schemeClr val="accent1"/>
+          </a:effectRef>
+          <a:fontRef idx="minor">
+            <a:schemeClr val="lt1"/>
+          </a:fontRef>
+        </p:style>
+        <p:txBody>
+          <a:bodyPr rtlCol="0" anchor="ctr"/>
+          <a:lstStyle/>
+          <a:p>
+            <a:pPr algn="ctr"/>
+            <a:endParaRPr lang="en-US"/>
+          </a:p>
+        </p:txBody>
+      </p:sp>
+      <p:sp>
+        <p:nvSpPr>
+          <p:cNvPr id="16" name="Rectangle 15">
+            <a:extLst>
+              <a:ext uri="{FF2B5EF4-FFF2-40B4-BE49-F238E27FC236}">
+                <a16:creationId xmlns:a16="http://schemas.microsoft.com/office/drawing/2014/main" id="{E414FC25-536E-8922-2BE5-DECB09704773}"/>
+              </a:ext>
+              <a:ext uri="{C183D7F6-B498-43B3-948B-1728B52AA6E4}">
+                <adec:decorative xmlns:adec="http://schemas.microsoft.com/office/drawing/2017/decorative" val="1"/>
+              </a:ext>
+            </a:extLst>
+          </p:cNvPr>
+          <p:cNvSpPr>
+            <a:spLocks noGrp="1" noRot="1" noChangeAspect="1" noMove="1" noResize="1" noEditPoints="1" noAdjustHandles="1" noChangeArrowheads="1" noChangeShapeType="1" noTextEdit="1"/>
+          </p:cNvSpPr>
+          <p:nvPr>
+            <p:extLst>
+              <p:ext uri="{386F3935-93C4-4BCD-93E2-E3B085C9AB24}">
+                <p16:designElem xmlns:p16="http://schemas.microsoft.com/office/powerpoint/2015/main" val="1"/>
+              </p:ext>
+            </p:extLst>
+          </p:nvPr>
+        </p:nvSpPr>
+        <p:spPr>
+          <a:xfrm rot="10800000" flipH="1">
+            <a:off x="6096642" y="728380"/>
+            <a:ext cx="3047358" cy="1576412"/>
+          </a:xfrm>
+          <a:prstGeom prst="rect">
+            <a:avLst/>
+          </a:prstGeom>
+          <a:gradFill>
+            <a:gsLst>
+              <a:gs pos="19000">
+                <a:schemeClr val="accent1">
+                  <a:lumMod val="50000"/>
+                  <a:alpha val="68000"/>
+                </a:schemeClr>
+              </a:gs>
+              <a:gs pos="100000">
+                <a:schemeClr val="accent1">
+                  <a:alpha val="79000"/>
+                </a:schemeClr>
+              </a:gs>
+            </a:gsLst>
+            <a:lin ang="19200000" scaled="0"/>
+          </a:gradFill>
+          <a:ln>
+            <a:noFill/>
+          </a:ln>
+        </p:spPr>
+        <p:style>
+          <a:lnRef idx="2">
+            <a:schemeClr val="accent1">
+              <a:shade val="50000"/>
+            </a:schemeClr>
+          </a:lnRef>
+          <a:fillRef idx="1">
+            <a:schemeClr val="accent1"/>
+          </a:fillRef>
+          <a:effectRef idx="0">
+            <a:schemeClr val="accent1"/>
+          </a:effectRef>
+          <a:fontRef idx="minor">
+            <a:schemeClr val="lt1"/>
+          </a:fontRef>
+        </p:style>
+        <p:txBody>
+          <a:bodyPr rtlCol="0" anchor="ctr"/>
+          <a:lstStyle/>
+          <a:p>
+            <a:pPr algn="ctr"/>
+            <a:endParaRPr lang="en-US"/>
+          </a:p>
+        </p:txBody>
+      </p:sp>
+      <p:sp>
+        <p:nvSpPr>
+          <p:cNvPr id="18" name="Rectangle 17">
+            <a:extLst>
+              <a:ext uri="{FF2B5EF4-FFF2-40B4-BE49-F238E27FC236}">
+                <a16:creationId xmlns:a16="http://schemas.microsoft.com/office/drawing/2014/main" id="{AEBE0E0D-DF9B-FAEA-1503-AE7BADB4457F}"/>
+              </a:ext>
+              <a:ext uri="{C183D7F6-B498-43B3-948B-1728B52AA6E4}">
+                <adec:decorative xmlns:adec="http://schemas.microsoft.com/office/drawing/2017/decorative" val="1"/>
+              </a:ext>
+            </a:extLst>
+          </p:cNvPr>
+          <p:cNvSpPr>
+            <a:spLocks noGrp="1" noRot="1" noChangeAspect="1" noMove="1" noResize="1" noEditPoints="1" noAdjustHandles="1" noChangeArrowheads="1" noChangeShapeType="1" noTextEdit="1"/>
+          </p:cNvSpPr>
+          <p:nvPr>
+            <p:extLst>
+              <p:ext uri="{386F3935-93C4-4BCD-93E2-E3B085C9AB24}">
+                <p16:designElem xmlns:p16="http://schemas.microsoft.com/office/powerpoint/2015/main" val="1"/>
+              </p:ext>
+            </p:extLst>
+          </p:nvPr>
+        </p:nvSpPr>
+        <p:spPr>
+          <a:xfrm rot="5400000">
+            <a:off x="3783778" y="-3055432"/>
+            <a:ext cx="1576446" cy="9144001"/>
+          </a:xfrm>
+          <a:prstGeom prst="rect">
+            <a:avLst/>
+          </a:prstGeom>
+          <a:gradFill>
+            <a:gsLst>
+              <a:gs pos="16000">
+                <a:srgbClr val="000000">
+                  <a:alpha val="0"/>
+                </a:srgbClr>
+              </a:gs>
+              <a:gs pos="99000">
+                <a:srgbClr val="000000">
+                  <a:alpha val="87000"/>
+                </a:srgbClr>
+              </a:gs>
+            </a:gsLst>
+            <a:lin ang="11400000" scaled="0"/>
+          </a:gradFill>
+          <a:ln>
+            <a:noFill/>
+          </a:ln>
+        </p:spPr>
+        <p:style>
+          <a:lnRef idx="2">
+            <a:schemeClr val="accent1">
+              <a:shade val="50000"/>
+            </a:schemeClr>
+          </a:lnRef>
+          <a:fillRef idx="1">
+            <a:schemeClr val="accent1"/>
+          </a:fillRef>
+          <a:effectRef idx="0">
+            <a:schemeClr val="accent1"/>
+          </a:effectRef>
+          <a:fontRef idx="minor">
+            <a:schemeClr val="lt1"/>
+          </a:fontRef>
+        </p:style>
+        <p:txBody>
+          <a:bodyPr rtlCol="0" anchor="ctr"/>
+          <a:lstStyle/>
+          <a:p>
+            <a:pPr algn="ctr"/>
+            <a:endParaRPr lang="en-US" dirty="0"/>
+          </a:p>
+        </p:txBody>
+      </p:sp>
+      <p:sp>
+        <p:nvSpPr>
+          <p:cNvPr id="20" name="Rectangle 19">
+            <a:extLst>
+              <a:ext uri="{FF2B5EF4-FFF2-40B4-BE49-F238E27FC236}">
+                <a16:creationId xmlns:a16="http://schemas.microsoft.com/office/drawing/2014/main" id="{DED39F68-1551-DF38-2813-94F23F9EC219}"/>
+              </a:ext>
+              <a:ext uri="{C183D7F6-B498-43B3-948B-1728B52AA6E4}">
+                <adec:decorative xmlns:adec="http://schemas.microsoft.com/office/drawing/2017/decorative" val="1"/>
+              </a:ext>
+            </a:extLst>
+          </p:cNvPr>
+          <p:cNvSpPr>
+            <a:spLocks noGrp="1" noRot="1" noChangeAspect="1" noMove="1" noResize="1" noEditPoints="1" noAdjustHandles="1" noChangeArrowheads="1" noChangeShapeType="1" noTextEdit="1"/>
+          </p:cNvSpPr>
+          <p:nvPr>
+            <p:extLst>
+              <p:ext uri="{386F3935-93C4-4BCD-93E2-E3B085C9AB24}">
+                <p16:designElem xmlns:p16="http://schemas.microsoft.com/office/powerpoint/2015/main" val="1"/>
+              </p:ext>
+            </p:extLst>
+          </p:nvPr>
+        </p:nvSpPr>
+        <p:spPr>
+          <a:xfrm>
+            <a:off x="2869075" y="729331"/>
+            <a:ext cx="3227567" cy="1575461"/>
+          </a:xfrm>
+          <a:prstGeom prst="rect">
+            <a:avLst/>
+          </a:prstGeom>
+          <a:gradFill>
+            <a:gsLst>
+              <a:gs pos="0">
+                <a:schemeClr val="accent1">
+                  <a:alpha val="17000"/>
+                </a:schemeClr>
+              </a:gs>
+              <a:gs pos="74000">
+                <a:schemeClr val="accent1">
+                  <a:lumMod val="50000"/>
+                  <a:alpha val="0"/>
+                </a:schemeClr>
+              </a:gs>
+            </a:gsLst>
+            <a:lin ang="14400000" scaled="0"/>
+          </a:gradFill>
+          <a:ln>
+            <a:noFill/>
+          </a:ln>
+        </p:spPr>
+        <p:style>
+          <a:lnRef idx="2">
+            <a:schemeClr val="accent1">
+              <a:shade val="50000"/>
+            </a:schemeClr>
+          </a:lnRef>
+          <a:fillRef idx="1">
+            <a:schemeClr val="accent1"/>
+          </a:fillRef>
+          <a:effectRef idx="0">
+            <a:schemeClr val="accent1"/>
+          </a:effectRef>
+          <a:fontRef idx="minor">
+            <a:schemeClr val="lt1"/>
+          </a:fontRef>
+        </p:style>
+        <p:txBody>
+          <a:bodyPr rtlCol="0" anchor="ctr"/>
+          <a:lstStyle/>
+          <a:p>
+            <a:pPr algn="ctr"/>
+            <a:endParaRPr lang="en-US"/>
+          </a:p>
+        </p:txBody>
+      </p:sp>
+      <p:sp>
+        <p:nvSpPr>
+          <p:cNvPr id="2" name="Title 1">
+            <a:extLst>
+              <a:ext uri="{FF2B5EF4-FFF2-40B4-BE49-F238E27FC236}">
+                <a16:creationId xmlns:a16="http://schemas.microsoft.com/office/drawing/2014/main" id="{771C4DF9-2C6E-8A52-B5CD-BD792738F700}"/>
+              </a:ext>
+            </a:extLst>
+          </p:cNvPr>
+          <p:cNvSpPr>
+            <a:spLocks noGrp="1"/>
+          </p:cNvSpPr>
+          <p:nvPr>
+            <p:ph type="title"/>
+          </p:nvPr>
+        </p:nvSpPr>
+        <p:spPr>
+          <a:xfrm>
+            <a:off x="524785" y="1081505"/>
+            <a:ext cx="5318475" cy="898581"/>
+          </a:xfrm>
+        </p:spPr>
+        <p:txBody>
+          <a:bodyPr vert="horz" lIns="91440" tIns="45720" rIns="91440" bIns="45720" rtlCol="0" anchor="ctr">
+            <a:normAutofit/>
+          </a:bodyPr>
+          <a:lstStyle/>
+          <a:p>
+            <a:pPr defTabSz="914400"/>
+            <a:r>
+              <a:rPr lang="en-US" sz="3500" dirty="0">
+                <a:solidFill>
+                  <a:srgbClr val="FFFFFF"/>
+                </a:solidFill>
+              </a:rPr>
+              <a:t>Fact Transaction </a:t>
+            </a:r>
+          </a:p>
+        </p:txBody>
+      </p:sp>
+      <p:pic>
+        <p:nvPicPr>
+          <p:cNvPr id="7" name="Picture 6">
+            <a:extLst>
+              <a:ext uri="{FF2B5EF4-FFF2-40B4-BE49-F238E27FC236}">
+                <a16:creationId xmlns:a16="http://schemas.microsoft.com/office/drawing/2014/main" id="{D9DE8018-756F-4FD5-A2AE-52A507E352BF}"/>
+              </a:ext>
+            </a:extLst>
+          </p:cNvPr>
+          <p:cNvPicPr>
+            <a:picLocks noChangeAspect="1"/>
+          </p:cNvPicPr>
+          <p:nvPr/>
+        </p:nvPicPr>
+        <p:blipFill>
+          <a:blip r:embed="rId2"/>
+          <a:stretch>
+            <a:fillRect/>
+          </a:stretch>
+        </p:blipFill>
+        <p:spPr>
+          <a:xfrm>
+            <a:off x="0" y="0"/>
+            <a:ext cx="9144000" cy="728345"/>
+          </a:xfrm>
+          <a:prstGeom prst="rect">
+            <a:avLst/>
+          </a:prstGeom>
+        </p:spPr>
+      </p:pic>
+      <p:pic>
+        <p:nvPicPr>
+          <p:cNvPr id="4" name="Picture 3" descr="A screenshot of a computer&#10;&#10;Description automatically generated">
+            <a:extLst>
+              <a:ext uri="{FF2B5EF4-FFF2-40B4-BE49-F238E27FC236}">
+                <a16:creationId xmlns:a16="http://schemas.microsoft.com/office/drawing/2014/main" id="{4ABA011D-02E8-A4CA-6583-021842100FFA}"/>
+              </a:ext>
+            </a:extLst>
+          </p:cNvPr>
+          <p:cNvPicPr>
+            <a:picLocks noChangeAspect="1"/>
+          </p:cNvPicPr>
+          <p:nvPr/>
+        </p:nvPicPr>
+        <p:blipFill>
+          <a:blip r:embed="rId3"/>
+          <a:stretch>
+            <a:fillRect/>
+          </a:stretch>
+        </p:blipFill>
+        <p:spPr>
+          <a:xfrm>
+            <a:off x="294720" y="2708430"/>
+            <a:ext cx="3777659" cy="3711223"/>
+          </a:xfrm>
+          <a:prstGeom prst="rect">
+            <a:avLst/>
+          </a:prstGeom>
+        </p:spPr>
+      </p:pic>
+      <p:pic>
+        <p:nvPicPr>
+          <p:cNvPr id="6" name="Picture 5">
+            <a:extLst>
+              <a:ext uri="{FF2B5EF4-FFF2-40B4-BE49-F238E27FC236}">
+                <a16:creationId xmlns:a16="http://schemas.microsoft.com/office/drawing/2014/main" id="{DE6B6A8F-FCFE-AF41-5AF5-BC1C3ADE207B}"/>
+              </a:ext>
+            </a:extLst>
+          </p:cNvPr>
+          <p:cNvPicPr>
+            <a:picLocks noChangeAspect="1"/>
+          </p:cNvPicPr>
+          <p:nvPr/>
+        </p:nvPicPr>
+        <p:blipFill>
+          <a:blip r:embed="rId4"/>
+          <a:stretch>
+            <a:fillRect/>
+          </a:stretch>
+        </p:blipFill>
+        <p:spPr>
+          <a:xfrm>
+            <a:off x="4204354" y="2708430"/>
+            <a:ext cx="4813101" cy="3711223"/>
+          </a:xfrm>
+          <a:prstGeom prst="rect">
+            <a:avLst/>
+          </a:prstGeom>
+        </p:spPr>
+      </p:pic>
+    </p:spTree>
+    <p:extLst>
+      <p:ext uri="{BB962C8B-B14F-4D97-AF65-F5344CB8AC3E}">
+        <p14:creationId xmlns:p14="http://schemas.microsoft.com/office/powerpoint/2010/main" val="513368622"/>
       </p:ext>
     </p:extLst>
   </p:cSld>
@@ -17768,558 +17751,6 @@
     </p:bg>
     <p:spTree>
       <p:nvGrpSpPr>
-        <p:cNvPr id="1" name="">
-          <a:extLst>
-            <a:ext uri="{FF2B5EF4-FFF2-40B4-BE49-F238E27FC236}">
-              <a16:creationId xmlns:a16="http://schemas.microsoft.com/office/drawing/2014/main" id="{DB2AA31E-E903-D4F1-F6A1-281644A2BA65}"/>
-            </a:ext>
-          </a:extLst>
-        </p:cNvPr>
-        <p:cNvGrpSpPr/>
-        <p:nvPr/>
-      </p:nvGrpSpPr>
-      <p:grpSpPr>
-        <a:xfrm>
-          <a:off x="0" y="0"/>
-          <a:ext cx="0" cy="0"/>
-          <a:chOff x="0" y="0"/>
-          <a:chExt cx="0" cy="0"/>
-        </a:xfrm>
-      </p:grpSpPr>
-      <p:sp useBgFill="1">
-        <p:nvSpPr>
-          <p:cNvPr id="12" name="Rectangle 11">
-            <a:extLst>
-              <a:ext uri="{FF2B5EF4-FFF2-40B4-BE49-F238E27FC236}">
-                <a16:creationId xmlns:a16="http://schemas.microsoft.com/office/drawing/2014/main" id="{9F4A9CA2-7973-419B-C3FE-1F3B8CEAEFD2}"/>
-              </a:ext>
-              <a:ext uri="{C183D7F6-B498-43B3-948B-1728B52AA6E4}">
-                <adec:decorative xmlns:adec="http://schemas.microsoft.com/office/drawing/2017/decorative" val="1"/>
-              </a:ext>
-            </a:extLst>
-          </p:cNvPr>
-          <p:cNvSpPr>
-            <a:spLocks noGrp="1" noRot="1" noChangeAspect="1" noMove="1" noResize="1" noEditPoints="1" noAdjustHandles="1" noChangeArrowheads="1" noChangeShapeType="1" noTextEdit="1"/>
-          </p:cNvSpPr>
-          <p:nvPr>
-            <p:extLst>
-              <p:ext uri="{386F3935-93C4-4BCD-93E2-E3B085C9AB24}">
-                <p16:designElem xmlns:p16="http://schemas.microsoft.com/office/powerpoint/2015/main" val="1"/>
-              </p:ext>
-            </p:extLst>
-          </p:nvPr>
-        </p:nvSpPr>
-        <p:spPr>
-          <a:xfrm>
-            <a:off x="0" y="728345"/>
-            <a:ext cx="9144000" cy="6858000"/>
-          </a:xfrm>
-          <a:prstGeom prst="rect">
-            <a:avLst/>
-          </a:prstGeom>
-          <a:ln w="12700" cap="flat" cmpd="sng" algn="ctr">
-            <a:noFill/>
-            <a:prstDash val="solid"/>
-            <a:miter lim="800000"/>
-          </a:ln>
-          <a:effectLst/>
-          <a:extLst>
-            <a:ext uri="{91240B29-F687-4F45-9708-019B960494DF}">
-              <a14:hiddenLine xmlns:a14="http://schemas.microsoft.com/office/drawing/2010/main" w="12700" cap="flat" cmpd="sng" algn="ctr">
-                <a:solidFill>
-                  <a:schemeClr val="accent1">
-                    <a:shade val="50000"/>
-                  </a:schemeClr>
-                </a:solidFill>
-                <a:prstDash val="solid"/>
-                <a:miter lim="800000"/>
-              </a14:hiddenLine>
-            </a:ext>
-          </a:extLst>
-        </p:spPr>
-        <p:style>
-          <a:lnRef idx="2">
-            <a:schemeClr val="accent1">
-              <a:shade val="50000"/>
-            </a:schemeClr>
-          </a:lnRef>
-          <a:fillRef idx="1">
-            <a:schemeClr val="accent1"/>
-          </a:fillRef>
-          <a:effectRef idx="0">
-            <a:schemeClr val="accent1"/>
-          </a:effectRef>
-          <a:fontRef idx="minor">
-            <a:schemeClr val="lt1"/>
-          </a:fontRef>
-        </p:style>
-        <p:txBody>
-          <a:bodyPr rtlCol="0" anchor="ctr"/>
-          <a:lstStyle/>
-          <a:p>
-            <a:pPr algn="ctr"/>
-            <a:endParaRPr lang="en-US" sz="2000"/>
-          </a:p>
-        </p:txBody>
-      </p:sp>
-      <p:sp>
-        <p:nvSpPr>
-          <p:cNvPr id="14" name="Rectangle 13">
-            <a:extLst>
-              <a:ext uri="{FF2B5EF4-FFF2-40B4-BE49-F238E27FC236}">
-                <a16:creationId xmlns:a16="http://schemas.microsoft.com/office/drawing/2014/main" id="{D6269046-DCDC-833A-84F9-3CA83071EDA1}"/>
-              </a:ext>
-              <a:ext uri="{C183D7F6-B498-43B3-948B-1728B52AA6E4}">
-                <adec:decorative xmlns:adec="http://schemas.microsoft.com/office/drawing/2017/decorative" val="1"/>
-              </a:ext>
-            </a:extLst>
-          </p:cNvPr>
-          <p:cNvSpPr>
-            <a:spLocks noGrp="1" noRot="1" noChangeAspect="1" noMove="1" noResize="1" noEditPoints="1" noAdjustHandles="1" noChangeArrowheads="1" noChangeShapeType="1" noTextEdit="1"/>
-          </p:cNvSpPr>
-          <p:nvPr>
-            <p:extLst>
-              <p:ext uri="{386F3935-93C4-4BCD-93E2-E3B085C9AB24}">
-                <p16:designElem xmlns:p16="http://schemas.microsoft.com/office/powerpoint/2015/main" val="1"/>
-              </p:ext>
-            </p:extLst>
-          </p:nvPr>
-        </p:nvSpPr>
-        <p:spPr>
-          <a:xfrm flipH="1">
-            <a:off x="1" y="728837"/>
-            <a:ext cx="9143999" cy="1575955"/>
-          </a:xfrm>
-          <a:prstGeom prst="rect">
-            <a:avLst/>
-          </a:prstGeom>
-          <a:gradFill>
-            <a:gsLst>
-              <a:gs pos="0">
-                <a:schemeClr val="accent1">
-                  <a:lumMod val="50000"/>
-                </a:schemeClr>
-              </a:gs>
-              <a:gs pos="100000">
-                <a:schemeClr val="accent1">
-                  <a:lumMod val="75000"/>
-                </a:schemeClr>
-              </a:gs>
-            </a:gsLst>
-            <a:lin ang="8400000" scaled="0"/>
-          </a:gradFill>
-          <a:ln>
-            <a:noFill/>
-          </a:ln>
-        </p:spPr>
-        <p:style>
-          <a:lnRef idx="2">
-            <a:schemeClr val="accent1">
-              <a:shade val="50000"/>
-            </a:schemeClr>
-          </a:lnRef>
-          <a:fillRef idx="1">
-            <a:schemeClr val="accent1"/>
-          </a:fillRef>
-          <a:effectRef idx="0">
-            <a:schemeClr val="accent1"/>
-          </a:effectRef>
-          <a:fontRef idx="minor">
-            <a:schemeClr val="lt1"/>
-          </a:fontRef>
-        </p:style>
-        <p:txBody>
-          <a:bodyPr rtlCol="0" anchor="ctr"/>
-          <a:lstStyle/>
-          <a:p>
-            <a:pPr algn="ctr"/>
-            <a:endParaRPr lang="en-US"/>
-          </a:p>
-        </p:txBody>
-      </p:sp>
-      <p:sp>
-        <p:nvSpPr>
-          <p:cNvPr id="16" name="Rectangle 15">
-            <a:extLst>
-              <a:ext uri="{FF2B5EF4-FFF2-40B4-BE49-F238E27FC236}">
-                <a16:creationId xmlns:a16="http://schemas.microsoft.com/office/drawing/2014/main" id="{E414FC25-536E-8922-2BE5-DECB09704773}"/>
-              </a:ext>
-              <a:ext uri="{C183D7F6-B498-43B3-948B-1728B52AA6E4}">
-                <adec:decorative xmlns:adec="http://schemas.microsoft.com/office/drawing/2017/decorative" val="1"/>
-              </a:ext>
-            </a:extLst>
-          </p:cNvPr>
-          <p:cNvSpPr>
-            <a:spLocks noGrp="1" noRot="1" noChangeAspect="1" noMove="1" noResize="1" noEditPoints="1" noAdjustHandles="1" noChangeArrowheads="1" noChangeShapeType="1" noTextEdit="1"/>
-          </p:cNvSpPr>
-          <p:nvPr>
-            <p:extLst>
-              <p:ext uri="{386F3935-93C4-4BCD-93E2-E3B085C9AB24}">
-                <p16:designElem xmlns:p16="http://schemas.microsoft.com/office/powerpoint/2015/main" val="1"/>
-              </p:ext>
-            </p:extLst>
-          </p:nvPr>
-        </p:nvSpPr>
-        <p:spPr>
-          <a:xfrm rot="10800000" flipH="1">
-            <a:off x="6096642" y="728380"/>
-            <a:ext cx="3047358" cy="1576412"/>
-          </a:xfrm>
-          <a:prstGeom prst="rect">
-            <a:avLst/>
-          </a:prstGeom>
-          <a:gradFill>
-            <a:gsLst>
-              <a:gs pos="19000">
-                <a:schemeClr val="accent1">
-                  <a:lumMod val="50000"/>
-                  <a:alpha val="68000"/>
-                </a:schemeClr>
-              </a:gs>
-              <a:gs pos="100000">
-                <a:schemeClr val="accent1">
-                  <a:alpha val="79000"/>
-                </a:schemeClr>
-              </a:gs>
-            </a:gsLst>
-            <a:lin ang="19200000" scaled="0"/>
-          </a:gradFill>
-          <a:ln>
-            <a:noFill/>
-          </a:ln>
-        </p:spPr>
-        <p:style>
-          <a:lnRef idx="2">
-            <a:schemeClr val="accent1">
-              <a:shade val="50000"/>
-            </a:schemeClr>
-          </a:lnRef>
-          <a:fillRef idx="1">
-            <a:schemeClr val="accent1"/>
-          </a:fillRef>
-          <a:effectRef idx="0">
-            <a:schemeClr val="accent1"/>
-          </a:effectRef>
-          <a:fontRef idx="minor">
-            <a:schemeClr val="lt1"/>
-          </a:fontRef>
-        </p:style>
-        <p:txBody>
-          <a:bodyPr rtlCol="0" anchor="ctr"/>
-          <a:lstStyle/>
-          <a:p>
-            <a:pPr algn="ctr"/>
-            <a:endParaRPr lang="en-US"/>
-          </a:p>
-        </p:txBody>
-      </p:sp>
-      <p:sp>
-        <p:nvSpPr>
-          <p:cNvPr id="18" name="Rectangle 17">
-            <a:extLst>
-              <a:ext uri="{FF2B5EF4-FFF2-40B4-BE49-F238E27FC236}">
-                <a16:creationId xmlns:a16="http://schemas.microsoft.com/office/drawing/2014/main" id="{AEBE0E0D-DF9B-FAEA-1503-AE7BADB4457F}"/>
-              </a:ext>
-              <a:ext uri="{C183D7F6-B498-43B3-948B-1728B52AA6E4}">
-                <adec:decorative xmlns:adec="http://schemas.microsoft.com/office/drawing/2017/decorative" val="1"/>
-              </a:ext>
-            </a:extLst>
-          </p:cNvPr>
-          <p:cNvSpPr>
-            <a:spLocks noGrp="1" noRot="1" noChangeAspect="1" noMove="1" noResize="1" noEditPoints="1" noAdjustHandles="1" noChangeArrowheads="1" noChangeShapeType="1" noTextEdit="1"/>
-          </p:cNvSpPr>
-          <p:nvPr>
-            <p:extLst>
-              <p:ext uri="{386F3935-93C4-4BCD-93E2-E3B085C9AB24}">
-                <p16:designElem xmlns:p16="http://schemas.microsoft.com/office/powerpoint/2015/main" val="1"/>
-              </p:ext>
-            </p:extLst>
-          </p:nvPr>
-        </p:nvSpPr>
-        <p:spPr>
-          <a:xfrm rot="5400000">
-            <a:off x="3783778" y="-3055432"/>
-            <a:ext cx="1576446" cy="9144001"/>
-          </a:xfrm>
-          <a:prstGeom prst="rect">
-            <a:avLst/>
-          </a:prstGeom>
-          <a:gradFill>
-            <a:gsLst>
-              <a:gs pos="16000">
-                <a:srgbClr val="000000">
-                  <a:alpha val="0"/>
-                </a:srgbClr>
-              </a:gs>
-              <a:gs pos="99000">
-                <a:srgbClr val="000000">
-                  <a:alpha val="87000"/>
-                </a:srgbClr>
-              </a:gs>
-            </a:gsLst>
-            <a:lin ang="11400000" scaled="0"/>
-          </a:gradFill>
-          <a:ln>
-            <a:noFill/>
-          </a:ln>
-        </p:spPr>
-        <p:style>
-          <a:lnRef idx="2">
-            <a:schemeClr val="accent1">
-              <a:shade val="50000"/>
-            </a:schemeClr>
-          </a:lnRef>
-          <a:fillRef idx="1">
-            <a:schemeClr val="accent1"/>
-          </a:fillRef>
-          <a:effectRef idx="0">
-            <a:schemeClr val="accent1"/>
-          </a:effectRef>
-          <a:fontRef idx="minor">
-            <a:schemeClr val="lt1"/>
-          </a:fontRef>
-        </p:style>
-        <p:txBody>
-          <a:bodyPr rtlCol="0" anchor="ctr"/>
-          <a:lstStyle/>
-          <a:p>
-            <a:pPr algn="ctr"/>
-            <a:endParaRPr lang="en-US" dirty="0"/>
-          </a:p>
-        </p:txBody>
-      </p:sp>
-      <p:sp>
-        <p:nvSpPr>
-          <p:cNvPr id="20" name="Rectangle 19">
-            <a:extLst>
-              <a:ext uri="{FF2B5EF4-FFF2-40B4-BE49-F238E27FC236}">
-                <a16:creationId xmlns:a16="http://schemas.microsoft.com/office/drawing/2014/main" id="{DED39F68-1551-DF38-2813-94F23F9EC219}"/>
-              </a:ext>
-              <a:ext uri="{C183D7F6-B498-43B3-948B-1728B52AA6E4}">
-                <adec:decorative xmlns:adec="http://schemas.microsoft.com/office/drawing/2017/decorative" val="1"/>
-              </a:ext>
-            </a:extLst>
-          </p:cNvPr>
-          <p:cNvSpPr>
-            <a:spLocks noGrp="1" noRot="1" noChangeAspect="1" noMove="1" noResize="1" noEditPoints="1" noAdjustHandles="1" noChangeArrowheads="1" noChangeShapeType="1" noTextEdit="1"/>
-          </p:cNvSpPr>
-          <p:nvPr>
-            <p:extLst>
-              <p:ext uri="{386F3935-93C4-4BCD-93E2-E3B085C9AB24}">
-                <p16:designElem xmlns:p16="http://schemas.microsoft.com/office/powerpoint/2015/main" val="1"/>
-              </p:ext>
-            </p:extLst>
-          </p:nvPr>
-        </p:nvSpPr>
-        <p:spPr>
-          <a:xfrm>
-            <a:off x="2869075" y="729331"/>
-            <a:ext cx="3227567" cy="1575461"/>
-          </a:xfrm>
-          <a:prstGeom prst="rect">
-            <a:avLst/>
-          </a:prstGeom>
-          <a:gradFill>
-            <a:gsLst>
-              <a:gs pos="0">
-                <a:schemeClr val="accent1">
-                  <a:alpha val="17000"/>
-                </a:schemeClr>
-              </a:gs>
-              <a:gs pos="74000">
-                <a:schemeClr val="accent1">
-                  <a:lumMod val="50000"/>
-                  <a:alpha val="0"/>
-                </a:schemeClr>
-              </a:gs>
-            </a:gsLst>
-            <a:lin ang="14400000" scaled="0"/>
-          </a:gradFill>
-          <a:ln>
-            <a:noFill/>
-          </a:ln>
-        </p:spPr>
-        <p:style>
-          <a:lnRef idx="2">
-            <a:schemeClr val="accent1">
-              <a:shade val="50000"/>
-            </a:schemeClr>
-          </a:lnRef>
-          <a:fillRef idx="1">
-            <a:schemeClr val="accent1"/>
-          </a:fillRef>
-          <a:effectRef idx="0">
-            <a:schemeClr val="accent1"/>
-          </a:effectRef>
-          <a:fontRef idx="minor">
-            <a:schemeClr val="lt1"/>
-          </a:fontRef>
-        </p:style>
-        <p:txBody>
-          <a:bodyPr rtlCol="0" anchor="ctr"/>
-          <a:lstStyle/>
-          <a:p>
-            <a:pPr algn="ctr"/>
-            <a:endParaRPr lang="en-US"/>
-          </a:p>
-        </p:txBody>
-      </p:sp>
-      <p:sp>
-        <p:nvSpPr>
-          <p:cNvPr id="2" name="Title 1">
-            <a:extLst>
-              <a:ext uri="{FF2B5EF4-FFF2-40B4-BE49-F238E27FC236}">
-                <a16:creationId xmlns:a16="http://schemas.microsoft.com/office/drawing/2014/main" id="{771C4DF9-2C6E-8A52-B5CD-BD792738F700}"/>
-              </a:ext>
-            </a:extLst>
-          </p:cNvPr>
-          <p:cNvSpPr>
-            <a:spLocks noGrp="1"/>
-          </p:cNvSpPr>
-          <p:nvPr>
-            <p:ph type="title"/>
-          </p:nvPr>
-        </p:nvSpPr>
-        <p:spPr>
-          <a:xfrm>
-            <a:off x="524785" y="1081505"/>
-            <a:ext cx="5318475" cy="898581"/>
-          </a:xfrm>
-        </p:spPr>
-        <p:txBody>
-          <a:bodyPr vert="horz" lIns="91440" tIns="45720" rIns="91440" bIns="45720" rtlCol="0" anchor="ctr">
-            <a:normAutofit/>
-          </a:bodyPr>
-          <a:lstStyle/>
-          <a:p>
-            <a:pPr defTabSz="914400"/>
-            <a:r>
-              <a:rPr lang="en-US" sz="3500" dirty="0">
-                <a:solidFill>
-                  <a:srgbClr val="FFFFFF"/>
-                </a:solidFill>
-              </a:rPr>
-              <a:t>Fact Transaction </a:t>
-            </a:r>
-          </a:p>
-        </p:txBody>
-      </p:sp>
-      <p:pic>
-        <p:nvPicPr>
-          <p:cNvPr id="7" name="Picture 6">
-            <a:extLst>
-              <a:ext uri="{FF2B5EF4-FFF2-40B4-BE49-F238E27FC236}">
-                <a16:creationId xmlns:a16="http://schemas.microsoft.com/office/drawing/2014/main" id="{D9DE8018-756F-4FD5-A2AE-52A507E352BF}"/>
-              </a:ext>
-            </a:extLst>
-          </p:cNvPr>
-          <p:cNvPicPr>
-            <a:picLocks noChangeAspect="1"/>
-          </p:cNvPicPr>
-          <p:nvPr/>
-        </p:nvPicPr>
-        <p:blipFill>
-          <a:blip r:embed="rId2"/>
-          <a:stretch>
-            <a:fillRect/>
-          </a:stretch>
-        </p:blipFill>
-        <p:spPr>
-          <a:xfrm>
-            <a:off x="0" y="0"/>
-            <a:ext cx="9144000" cy="728345"/>
-          </a:xfrm>
-          <a:prstGeom prst="rect">
-            <a:avLst/>
-          </a:prstGeom>
-        </p:spPr>
-      </p:pic>
-      <p:pic>
-        <p:nvPicPr>
-          <p:cNvPr id="4" name="Picture 3" descr="A screenshot of a computer&#10;&#10;Description automatically generated">
-            <a:extLst>
-              <a:ext uri="{FF2B5EF4-FFF2-40B4-BE49-F238E27FC236}">
-                <a16:creationId xmlns:a16="http://schemas.microsoft.com/office/drawing/2014/main" id="{4ABA011D-02E8-A4CA-6583-021842100FFA}"/>
-              </a:ext>
-            </a:extLst>
-          </p:cNvPr>
-          <p:cNvPicPr>
-            <a:picLocks noChangeAspect="1"/>
-          </p:cNvPicPr>
-          <p:nvPr/>
-        </p:nvPicPr>
-        <p:blipFill>
-          <a:blip r:embed="rId3"/>
-          <a:stretch>
-            <a:fillRect/>
-          </a:stretch>
-        </p:blipFill>
-        <p:spPr>
-          <a:xfrm>
-            <a:off x="294720" y="2708430"/>
-            <a:ext cx="3777659" cy="3711223"/>
-          </a:xfrm>
-          <a:prstGeom prst="rect">
-            <a:avLst/>
-          </a:prstGeom>
-        </p:spPr>
-      </p:pic>
-      <p:pic>
-        <p:nvPicPr>
-          <p:cNvPr id="6" name="Picture 5">
-            <a:extLst>
-              <a:ext uri="{FF2B5EF4-FFF2-40B4-BE49-F238E27FC236}">
-                <a16:creationId xmlns:a16="http://schemas.microsoft.com/office/drawing/2014/main" id="{DE6B6A8F-FCFE-AF41-5AF5-BC1C3ADE207B}"/>
-              </a:ext>
-            </a:extLst>
-          </p:cNvPr>
-          <p:cNvPicPr>
-            <a:picLocks noChangeAspect="1"/>
-          </p:cNvPicPr>
-          <p:nvPr/>
-        </p:nvPicPr>
-        <p:blipFill>
-          <a:blip r:embed="rId4"/>
-          <a:stretch>
-            <a:fillRect/>
-          </a:stretch>
-        </p:blipFill>
-        <p:spPr>
-          <a:xfrm>
-            <a:off x="4204354" y="2708430"/>
-            <a:ext cx="4813101" cy="3711223"/>
-          </a:xfrm>
-          <a:prstGeom prst="rect">
-            <a:avLst/>
-          </a:prstGeom>
-        </p:spPr>
-      </p:pic>
-    </p:spTree>
-    <p:extLst>
-      <p:ext uri="{BB962C8B-B14F-4D97-AF65-F5344CB8AC3E}">
-        <p14:creationId xmlns:p14="http://schemas.microsoft.com/office/powerpoint/2010/main" val="513368622"/>
-      </p:ext>
-    </p:extLst>
-  </p:cSld>
-  <p:clrMapOvr>
-    <a:masterClrMapping/>
-  </p:clrMapOvr>
-</p:sld>
-</file>
-
-<file path=ppt/slides/slide21.xml><?xml version="1.0" encoding="utf-8"?>
-<p:sld xmlns:a="http://schemas.openxmlformats.org/drawingml/2006/main" xmlns:r="http://schemas.openxmlformats.org/officeDocument/2006/relationships" xmlns:p="http://schemas.openxmlformats.org/presentationml/2006/main">
-  <p:cSld>
-    <p:bg>
-      <p:bgPr>
-        <a:solidFill>
-          <a:schemeClr val="bg1"/>
-        </a:solidFill>
-        <a:effectLst/>
-      </p:bgPr>
-    </p:bg>
-    <p:spTree>
-      <p:nvGrpSpPr>
         <p:cNvPr id="1" name=""/>
         <p:cNvGrpSpPr/>
         <p:nvPr/>
@@ -18825,7 +18256,7 @@
 </p:sld>
 </file>
 
-<file path=ppt/slides/slide22.xml><?xml version="1.0" encoding="utf-8"?>
+<file path=ppt/slides/slide21.xml><?xml version="1.0" encoding="utf-8"?>
 <p:sld xmlns:a="http://schemas.openxmlformats.org/drawingml/2006/main" xmlns:r="http://schemas.openxmlformats.org/officeDocument/2006/relationships" xmlns:p="http://schemas.openxmlformats.org/presentationml/2006/main">
   <p:cSld>
     <p:bg>
@@ -19327,7 +18758,7 @@
 </p:sld>
 </file>
 
-<file path=ppt/slides/slide23.xml><?xml version="1.0" encoding="utf-8"?>
+<file path=ppt/slides/slide22.xml><?xml version="1.0" encoding="utf-8"?>
 <p:sld xmlns:a="http://schemas.openxmlformats.org/drawingml/2006/main" xmlns:r="http://schemas.openxmlformats.org/officeDocument/2006/relationships" xmlns:p="http://schemas.openxmlformats.org/presentationml/2006/main">
   <p:cSld>
     <p:bg>
@@ -19829,7 +19260,7 @@
 </p:sld>
 </file>
 
-<file path=ppt/slides/slide24.xml><?xml version="1.0" encoding="utf-8"?>
+<file path=ppt/slides/slide23.xml><?xml version="1.0" encoding="utf-8"?>
 <p:sld xmlns:a="http://schemas.openxmlformats.org/drawingml/2006/main" xmlns:r="http://schemas.openxmlformats.org/officeDocument/2006/relationships" xmlns:p="http://schemas.openxmlformats.org/presentationml/2006/main">
   <p:cSld>
     <p:bg>
@@ -20274,49 +19705,40 @@
       </p:sp>
       <p:pic>
         <p:nvPicPr>
-          <p:cNvPr id="4" name="Content Placeholder 3" descr="A screenshot of a computer code&#10;&#10;Description automatically generated">
+          <p:cNvPr id="7" name="Picture 6">
             <a:extLst>
               <a:ext uri="{FF2B5EF4-FFF2-40B4-BE49-F238E27FC236}">
-                <a16:creationId xmlns:a16="http://schemas.microsoft.com/office/drawing/2014/main" id="{B062F1DD-ACB4-5A97-8597-87E4E4C1A41E}"/>
+                <a16:creationId xmlns:a16="http://schemas.microsoft.com/office/drawing/2014/main" id="{945A9B89-35EB-3C3B-BCE2-2CA5D682DD47}"/>
               </a:ext>
             </a:extLst>
           </p:cNvPr>
           <p:cNvPicPr>
-            <a:picLocks noGrp="1" noChangeAspect="1"/>
+            <a:picLocks noChangeAspect="1"/>
           </p:cNvPicPr>
-          <p:nvPr>
-            <p:ph idx="1"/>
-          </p:nvPr>
+          <p:nvPr/>
         </p:nvPicPr>
         <p:blipFill>
-          <a:blip r:embed="rId2">
-            <a:extLst>
-              <a:ext uri="{28A0092B-C50C-407E-A947-70E740481C1C}">
-                <a14:useLocalDpi xmlns:a14="http://schemas.microsoft.com/office/drawing/2010/main" val="0"/>
-              </a:ext>
-            </a:extLst>
-          </a:blip>
+          <a:blip r:embed="rId2"/>
           <a:stretch>
             <a:fillRect/>
           </a:stretch>
         </p:blipFill>
-        <p:spPr bwMode="auto">
+        <p:spPr>
           <a:xfrm>
-            <a:off x="536812" y="3712464"/>
-            <a:ext cx="3848316" cy="2212848"/>
+            <a:off x="0" y="0"/>
+            <a:ext cx="9144000" cy="728345"/>
           </a:xfrm>
           <a:prstGeom prst="rect">
             <a:avLst/>
           </a:prstGeom>
-          <a:noFill/>
         </p:spPr>
       </p:pic>
       <p:pic>
         <p:nvPicPr>
-          <p:cNvPr id="5" name="Picture 4" descr="A screenshot of a computer&#10;&#10;Description automatically generated">
+          <p:cNvPr id="9" name="Picture 8" descr="A screenshot of a computer code&#10;&#10;Description automatically generated">
             <a:extLst>
               <a:ext uri="{FF2B5EF4-FFF2-40B4-BE49-F238E27FC236}">
-                <a16:creationId xmlns:a16="http://schemas.microsoft.com/office/drawing/2014/main" id="{1209A2AF-3C6E-C5BB-A44C-BA9C34A4566F}"/>
+                <a16:creationId xmlns:a16="http://schemas.microsoft.com/office/drawing/2014/main" id="{401D35EB-165F-5B47-38FC-F1EA56DF033B}"/>
               </a:ext>
             </a:extLst>
           </p:cNvPr>
@@ -20327,14 +19749,13 @@
         </p:nvPicPr>
         <p:blipFill>
           <a:blip r:embed="rId3"/>
-          <a:stretch>
-            <a:fillRect/>
-          </a:stretch>
+          <a:srcRect t="3946"/>
+          <a:stretch/>
         </p:blipFill>
         <p:spPr>
           <a:xfrm>
-            <a:off x="4758873" y="3429000"/>
-            <a:ext cx="3848316" cy="2754804"/>
+            <a:off x="304800" y="3369988"/>
+            <a:ext cx="4267200" cy="2872827"/>
           </a:xfrm>
           <a:prstGeom prst="rect">
             <a:avLst/>
@@ -20343,10 +19764,10 @@
       </p:pic>
       <p:pic>
         <p:nvPicPr>
-          <p:cNvPr id="7" name="Picture 6">
+          <p:cNvPr id="10" name="Picture 9" descr="A screenshot of a data&#10;&#10;Description automatically generated">
             <a:extLst>
               <a:ext uri="{FF2B5EF4-FFF2-40B4-BE49-F238E27FC236}">
-                <a16:creationId xmlns:a16="http://schemas.microsoft.com/office/drawing/2014/main" id="{945A9B89-35EB-3C3B-BCE2-2CA5D682DD47}"/>
+                <a16:creationId xmlns:a16="http://schemas.microsoft.com/office/drawing/2014/main" id="{ECC1E19A-4D69-7CAC-6EE9-D38E7E9455BF}"/>
               </a:ext>
             </a:extLst>
           </p:cNvPr>
@@ -20363,8 +19784,8 @@
         </p:blipFill>
         <p:spPr>
           <a:xfrm>
-            <a:off x="0" y="0"/>
-            <a:ext cx="9144000" cy="728345"/>
+            <a:off x="4876800" y="3096663"/>
+            <a:ext cx="3457575" cy="3419475"/>
           </a:xfrm>
           <a:prstGeom prst="rect">
             <a:avLst/>
@@ -20384,7 +19805,7 @@
 </p:sld>
 </file>
 
-<file path=ppt/slides/slide25.xml><?xml version="1.0" encoding="utf-8"?>
+<file path=ppt/slides/slide24.xml><?xml version="1.0" encoding="utf-8"?>
 <p:sld xmlns:a="http://schemas.openxmlformats.org/drawingml/2006/main" xmlns:r="http://schemas.openxmlformats.org/officeDocument/2006/relationships" xmlns:p="http://schemas.openxmlformats.org/presentationml/2006/main">
   <p:cSld>
     <p:bg>
@@ -20902,7 +20323,7 @@
 </p:sld>
 </file>
 
-<file path=ppt/slides/slide26.xml><?xml version="1.0" encoding="utf-8"?>
+<file path=ppt/slides/slide25.xml><?xml version="1.0" encoding="utf-8"?>
 <p:sld xmlns:a="http://schemas.openxmlformats.org/drawingml/2006/main" xmlns:r="http://schemas.openxmlformats.org/officeDocument/2006/relationships" xmlns:p="http://schemas.openxmlformats.org/presentationml/2006/main">
   <p:cSld>
     <p:bg>
@@ -20946,10 +20367,10 @@
       </p:grpSpPr>
       <p:pic>
         <p:nvPicPr>
-          <p:cNvPr id="4" name="Picture 3">
+          <p:cNvPr id="5" name="Picture 4">
             <a:extLst>
               <a:ext uri="{FF2B5EF4-FFF2-40B4-BE49-F238E27FC236}">
-                <a16:creationId xmlns:a16="http://schemas.microsoft.com/office/drawing/2014/main" id="{636DB794-5CF7-D280-6A55-61F94B2138A1}"/>
+                <a16:creationId xmlns:a16="http://schemas.microsoft.com/office/drawing/2014/main" id="{414B3CE4-80B2-8A67-E534-22731262F63B}"/>
               </a:ext>
             </a:extLst>
           </p:cNvPr>
@@ -20966,8 +20387,8 @@
         </p:blipFill>
         <p:spPr>
           <a:xfrm>
-            <a:off x="106811" y="865400"/>
-            <a:ext cx="8873624" cy="5474143"/>
+            <a:off x="0" y="0"/>
+            <a:ext cx="9144000" cy="728345"/>
           </a:xfrm>
           <a:prstGeom prst="rect">
             <a:avLst/>
@@ -20976,10 +20397,10 @@
       </p:pic>
       <p:pic>
         <p:nvPicPr>
-          <p:cNvPr id="5" name="Picture 4">
+          <p:cNvPr id="3" name="Picture 2" descr="A screenshot of a computer&#10;&#10;Description automatically generated">
             <a:extLst>
               <a:ext uri="{FF2B5EF4-FFF2-40B4-BE49-F238E27FC236}">
-                <a16:creationId xmlns:a16="http://schemas.microsoft.com/office/drawing/2014/main" id="{414B3CE4-80B2-8A67-E534-22731262F63B}"/>
+                <a16:creationId xmlns:a16="http://schemas.microsoft.com/office/drawing/2014/main" id="{8209B01E-F591-61E6-1285-1FF53616C657}"/>
               </a:ext>
             </a:extLst>
           </p:cNvPr>
@@ -20996,8 +20417,8 @@
         </p:blipFill>
         <p:spPr>
           <a:xfrm>
-            <a:off x="0" y="0"/>
-            <a:ext cx="9144000" cy="728345"/>
+            <a:off x="131975" y="858775"/>
+            <a:ext cx="8880050" cy="5739988"/>
           </a:xfrm>
           <a:prstGeom prst="rect">
             <a:avLst/>
@@ -21017,7 +20438,7 @@
 </p:sld>
 </file>
 
-<file path=ppt/slides/slide27.xml><?xml version="1.0" encoding="utf-8"?>
+<file path=ppt/slides/slide26.xml><?xml version="1.0" encoding="utf-8"?>
 <p:sld xmlns:a="http://schemas.openxmlformats.org/drawingml/2006/main" xmlns:r="http://schemas.openxmlformats.org/officeDocument/2006/relationships" xmlns:p="http://schemas.openxmlformats.org/presentationml/2006/main">
   <p:cSld>
     <p:bg>
@@ -23370,7 +22791,7 @@
 </p:sld>
 </file>
 
-<file path=ppt/slides/slide28.xml><?xml version="1.0" encoding="utf-8"?>
+<file path=ppt/slides/slide27.xml><?xml version="1.0" encoding="utf-8"?>
 <p:sld xmlns:a="http://schemas.openxmlformats.org/drawingml/2006/main" xmlns:r="http://schemas.openxmlformats.org/officeDocument/2006/relationships" xmlns:p="http://schemas.openxmlformats.org/presentationml/2006/main">
   <p:cSld>
     <p:bg>
@@ -29787,29 +29208,28 @@
       </p:sp>
       <p:pic>
         <p:nvPicPr>
-          <p:cNvPr id="5" name="Content Placeholder 4">
+          <p:cNvPr id="6" name="Picture 5">
             <a:extLst>
               <a:ext uri="{FF2B5EF4-FFF2-40B4-BE49-F238E27FC236}">
-                <a16:creationId xmlns:a16="http://schemas.microsoft.com/office/drawing/2014/main" id="{808AD50F-0117-B8A1-3276-01E6BE48E413}"/>
+                <a16:creationId xmlns:a16="http://schemas.microsoft.com/office/drawing/2014/main" id="{D62A0C5D-B448-E21A-7DFF-A21D11B0A031}"/>
               </a:ext>
             </a:extLst>
           </p:cNvPr>
           <p:cNvPicPr>
-            <a:picLocks noGrp="1" noChangeAspect="1"/>
+            <a:picLocks noChangeAspect="1"/>
           </p:cNvPicPr>
-          <p:nvPr>
-            <p:ph idx="1"/>
-          </p:nvPr>
+          <p:nvPr/>
         </p:nvPicPr>
         <p:blipFill>
           <a:blip r:embed="rId2"/>
-          <a:srcRect r="39920"/>
-          <a:stretch/>
+          <a:stretch>
+            <a:fillRect/>
+          </a:stretch>
         </p:blipFill>
         <p:spPr>
           <a:xfrm>
-            <a:off x="3371854" y="1012198"/>
-            <a:ext cx="5272427" cy="5923584"/>
+            <a:off x="0" y="0"/>
+            <a:ext cx="9144000" cy="728345"/>
           </a:xfrm>
           <a:prstGeom prst="rect">
             <a:avLst/>
@@ -29818,10 +29238,10 @@
       </p:pic>
       <p:pic>
         <p:nvPicPr>
-          <p:cNvPr id="6" name="Picture 5">
+          <p:cNvPr id="5" name="Picture 4">
             <a:extLst>
               <a:ext uri="{FF2B5EF4-FFF2-40B4-BE49-F238E27FC236}">
-                <a16:creationId xmlns:a16="http://schemas.microsoft.com/office/drawing/2014/main" id="{D62A0C5D-B448-E21A-7DFF-A21D11B0A031}"/>
+                <a16:creationId xmlns:a16="http://schemas.microsoft.com/office/drawing/2014/main" id="{84892692-497E-A84A-B6B8-1A366FA6BF63}"/>
               </a:ext>
             </a:extLst>
           </p:cNvPr>
@@ -29838,8 +29258,8 @@
         </p:blipFill>
         <p:spPr>
           <a:xfrm>
-            <a:off x="0" y="0"/>
-            <a:ext cx="9144000" cy="728345"/>
+            <a:off x="3181080" y="867266"/>
+            <a:ext cx="5572046" cy="6149991"/>
           </a:xfrm>
           <a:prstGeom prst="rect">
             <a:avLst/>
